--- a/Présentation portfolio.pptx
+++ b/Présentation portfolio.pptx
@@ -7,10 +7,18 @@
   <p:sldIdLst>
     <p:sldId id="257" r:id="rId2"/>
     <p:sldId id="326" r:id="rId3"/>
-    <p:sldId id="359" r:id="rId4"/>
-    <p:sldId id="313" r:id="rId5"/>
-    <p:sldId id="358" r:id="rId6"/>
-    <p:sldId id="317" r:id="rId7"/>
+    <p:sldId id="360" r:id="rId4"/>
+    <p:sldId id="361" r:id="rId5"/>
+    <p:sldId id="313" r:id="rId6"/>
+    <p:sldId id="358" r:id="rId7"/>
+    <p:sldId id="362" r:id="rId8"/>
+    <p:sldId id="363" r:id="rId9"/>
+    <p:sldId id="367" r:id="rId10"/>
+    <p:sldId id="368" r:id="rId11"/>
+    <p:sldId id="364" r:id="rId12"/>
+    <p:sldId id="365" r:id="rId13"/>
+    <p:sldId id="366" r:id="rId14"/>
+    <p:sldId id="317" r:id="rId15"/>
   </p:sldIdLst>
   <p:sldSz cx="12192000" cy="6858000"/>
   <p:notesSz cx="6858000" cy="9144000"/>
@@ -248,7 +256,7 @@
           <a:p>
             <a:fld id="{6A8EF467-8487-4230-8827-197FCF02D652}" type="datetimeFigureOut">
               <a:rPr lang="en-US" smtClean="0"/>
-              <a:t>7/26/2023</a:t>
+              <a:t>7/28/2023</a:t>
             </a:fld>
             <a:endParaRPr lang="en-US"/>
           </a:p>
@@ -418,7 +426,7 @@
           <a:p>
             <a:fld id="{6A8EF467-8487-4230-8827-197FCF02D652}" type="datetimeFigureOut">
               <a:rPr lang="en-US" smtClean="0"/>
-              <a:t>7/26/2023</a:t>
+              <a:t>7/28/2023</a:t>
             </a:fld>
             <a:endParaRPr lang="en-US"/>
           </a:p>
@@ -598,7 +606,7 @@
           <a:p>
             <a:fld id="{6A8EF467-8487-4230-8827-197FCF02D652}" type="datetimeFigureOut">
               <a:rPr lang="en-US" smtClean="0"/>
-              <a:t>7/26/2023</a:t>
+              <a:t>7/28/2023</a:t>
             </a:fld>
             <a:endParaRPr lang="en-US"/>
           </a:p>
@@ -768,7 +776,7 @@
           <a:p>
             <a:fld id="{6A8EF467-8487-4230-8827-197FCF02D652}" type="datetimeFigureOut">
               <a:rPr lang="en-US" smtClean="0"/>
-              <a:t>7/26/2023</a:t>
+              <a:t>7/28/2023</a:t>
             </a:fld>
             <a:endParaRPr lang="en-US"/>
           </a:p>
@@ -1014,7 +1022,7 @@
           <a:p>
             <a:fld id="{6A8EF467-8487-4230-8827-197FCF02D652}" type="datetimeFigureOut">
               <a:rPr lang="en-US" smtClean="0"/>
-              <a:t>7/26/2023</a:t>
+              <a:t>7/28/2023</a:t>
             </a:fld>
             <a:endParaRPr lang="en-US"/>
           </a:p>
@@ -1246,7 +1254,7 @@
           <a:p>
             <a:fld id="{6A8EF467-8487-4230-8827-197FCF02D652}" type="datetimeFigureOut">
               <a:rPr lang="en-US" smtClean="0"/>
-              <a:t>7/26/2023</a:t>
+              <a:t>7/28/2023</a:t>
             </a:fld>
             <a:endParaRPr lang="en-US"/>
           </a:p>
@@ -1613,7 +1621,7 @@
           <a:p>
             <a:fld id="{6A8EF467-8487-4230-8827-197FCF02D652}" type="datetimeFigureOut">
               <a:rPr lang="en-US" smtClean="0"/>
-              <a:t>7/26/2023</a:t>
+              <a:t>7/28/2023</a:t>
             </a:fld>
             <a:endParaRPr lang="en-US"/>
           </a:p>
@@ -1731,7 +1739,7 @@
           <a:p>
             <a:fld id="{6A8EF467-8487-4230-8827-197FCF02D652}" type="datetimeFigureOut">
               <a:rPr lang="en-US" smtClean="0"/>
-              <a:t>7/26/2023</a:t>
+              <a:t>7/28/2023</a:t>
             </a:fld>
             <a:endParaRPr lang="en-US"/>
           </a:p>
@@ -1826,7 +1834,7 @@
           <a:p>
             <a:fld id="{6A8EF467-8487-4230-8827-197FCF02D652}" type="datetimeFigureOut">
               <a:rPr lang="en-US" smtClean="0"/>
-              <a:t>7/26/2023</a:t>
+              <a:t>7/28/2023</a:t>
             </a:fld>
             <a:endParaRPr lang="en-US"/>
           </a:p>
@@ -2103,7 +2111,7 @@
           <a:p>
             <a:fld id="{6A8EF467-8487-4230-8827-197FCF02D652}" type="datetimeFigureOut">
               <a:rPr lang="en-US" smtClean="0"/>
-              <a:t>7/26/2023</a:t>
+              <a:t>7/28/2023</a:t>
             </a:fld>
             <a:endParaRPr lang="en-US"/>
           </a:p>
@@ -2360,7 +2368,7 @@
           <a:p>
             <a:fld id="{6A8EF467-8487-4230-8827-197FCF02D652}" type="datetimeFigureOut">
               <a:rPr lang="en-US" smtClean="0"/>
-              <a:t>7/26/2023</a:t>
+              <a:t>7/28/2023</a:t>
             </a:fld>
             <a:endParaRPr lang="en-US"/>
           </a:p>
@@ -2573,7 +2581,7 @@
           <a:p>
             <a:fld id="{6A8EF467-8487-4230-8827-197FCF02D652}" type="datetimeFigureOut">
               <a:rPr lang="en-US" smtClean="0"/>
-              <a:t>7/26/2023</a:t>
+              <a:t>7/28/2023</a:t>
             </a:fld>
             <a:endParaRPr lang="en-US"/>
           </a:p>
@@ -3058,6 +3066,1032 @@
 </p:sld>
 </file>
 
+<file path=ppt/slides/slide10.xml><?xml version="1.0" encoding="utf-8"?>
+<p:sld xmlns:a="http://schemas.openxmlformats.org/drawingml/2006/main" xmlns:r="http://schemas.openxmlformats.org/officeDocument/2006/relationships" xmlns:p="http://schemas.openxmlformats.org/presentationml/2006/main">
+  <p:cSld>
+    <p:spTree>
+      <p:nvGrpSpPr>
+        <p:cNvPr id="1" name=""/>
+        <p:cNvGrpSpPr/>
+        <p:nvPr/>
+      </p:nvGrpSpPr>
+      <p:grpSpPr>
+        <a:xfrm>
+          <a:off x="0" y="0"/>
+          <a:ext cx="0" cy="0"/>
+          <a:chOff x="0" y="0"/>
+          <a:chExt cx="0" cy="0"/>
+        </a:xfrm>
+      </p:grpSpPr>
+      <p:sp>
+        <p:nvSpPr>
+          <p:cNvPr id="27" name="ZoneTexte 26">
+            <a:extLst>
+              <a:ext uri="{FF2B5EF4-FFF2-40B4-BE49-F238E27FC236}">
+                <a16:creationId xmlns:a16="http://schemas.microsoft.com/office/drawing/2014/main" id="{AF0DC408-AFDA-F98A-A4F1-0F30A160E013}"/>
+              </a:ext>
+            </a:extLst>
+          </p:cNvPr>
+          <p:cNvSpPr txBox="1"/>
+          <p:nvPr/>
+        </p:nvSpPr>
+        <p:spPr>
+          <a:xfrm>
+            <a:off x="1566938" y="537292"/>
+            <a:ext cx="8477302" cy="769441"/>
+          </a:xfrm>
+          <a:prstGeom prst="rect">
+            <a:avLst/>
+          </a:prstGeom>
+          <a:noFill/>
+        </p:spPr>
+        <p:txBody>
+          <a:bodyPr wrap="square" rtlCol="0">
+            <a:spAutoFit/>
+          </a:bodyPr>
+          <a:lstStyle/>
+          <a:p>
+            <a:pPr algn="ctr"/>
+            <a:r>
+              <a:rPr lang="fr-FR" sz="4400" b="1" dirty="0">
+                <a:solidFill>
+                  <a:schemeClr val="accent1">
+                    <a:lumMod val="50000"/>
+                  </a:schemeClr>
+                </a:solidFill>
+                <a:latin typeface="Times New Roman" panose="02020603050405020304" pitchFamily="18" charset="0"/>
+                <a:cs typeface="Times New Roman" panose="02020603050405020304" pitchFamily="18" charset="0"/>
+              </a:rPr>
+              <a:t>La page détail</a:t>
+            </a:r>
+          </a:p>
+        </p:txBody>
+      </p:sp>
+      <p:sp>
+        <p:nvSpPr>
+          <p:cNvPr id="2" name="ZoneTexte 1">
+            <a:extLst>
+              <a:ext uri="{FF2B5EF4-FFF2-40B4-BE49-F238E27FC236}">
+                <a16:creationId xmlns:a16="http://schemas.microsoft.com/office/drawing/2014/main" id="{356E7E00-B8EA-719C-8E28-06C113B979ED}"/>
+              </a:ext>
+            </a:extLst>
+          </p:cNvPr>
+          <p:cNvSpPr txBox="1"/>
+          <p:nvPr/>
+        </p:nvSpPr>
+        <p:spPr>
+          <a:xfrm>
+            <a:off x="546754" y="1825207"/>
+            <a:ext cx="4562574" cy="369332"/>
+          </a:xfrm>
+          <a:prstGeom prst="rect">
+            <a:avLst/>
+          </a:prstGeom>
+          <a:noFill/>
+        </p:spPr>
+        <p:txBody>
+          <a:bodyPr wrap="square" rtlCol="0">
+            <a:spAutoFit/>
+          </a:bodyPr>
+          <a:lstStyle/>
+          <a:p>
+            <a:r>
+              <a:rPr lang="fr-FR" b="1" dirty="0">
+                <a:solidFill>
+                  <a:schemeClr val="accent1">
+                    <a:lumMod val="50000"/>
+                  </a:schemeClr>
+                </a:solidFill>
+              </a:rPr>
+              <a:t>II/ Le carrousel</a:t>
+            </a:r>
+          </a:p>
+        </p:txBody>
+      </p:sp>
+      <p:pic>
+        <p:nvPicPr>
+          <p:cNvPr id="4" name="Image 3">
+            <a:extLst>
+              <a:ext uri="{FF2B5EF4-FFF2-40B4-BE49-F238E27FC236}">
+                <a16:creationId xmlns:a16="http://schemas.microsoft.com/office/drawing/2014/main" id="{C718C5CE-F553-B097-6D88-8CCEEBCD0FA2}"/>
+              </a:ext>
+            </a:extLst>
+          </p:cNvPr>
+          <p:cNvPicPr>
+            <a:picLocks noChangeAspect="1"/>
+          </p:cNvPicPr>
+          <p:nvPr/>
+        </p:nvPicPr>
+        <p:blipFill>
+          <a:blip r:embed="rId2">
+            <a:extLst>
+              <a:ext uri="{28A0092B-C50C-407E-A947-70E740481C1C}">
+                <a14:useLocalDpi xmlns:a14="http://schemas.microsoft.com/office/drawing/2010/main" val="0"/>
+              </a:ext>
+            </a:extLst>
+          </a:blip>
+          <a:stretch>
+            <a:fillRect/>
+          </a:stretch>
+        </p:blipFill>
+        <p:spPr>
+          <a:xfrm>
+            <a:off x="3967642" y="1932494"/>
+            <a:ext cx="4256716" cy="4711877"/>
+          </a:xfrm>
+          <a:prstGeom prst="rect">
+            <a:avLst/>
+          </a:prstGeom>
+        </p:spPr>
+      </p:pic>
+    </p:spTree>
+    <p:extLst>
+      <p:ext uri="{BB962C8B-B14F-4D97-AF65-F5344CB8AC3E}">
+        <p14:creationId xmlns:p14="http://schemas.microsoft.com/office/powerpoint/2010/main" val="805107215"/>
+      </p:ext>
+    </p:extLst>
+  </p:cSld>
+  <p:clrMapOvr>
+    <a:masterClrMapping/>
+  </p:clrMapOvr>
+</p:sld>
+</file>
+
+<file path=ppt/slides/slide11.xml><?xml version="1.0" encoding="utf-8"?>
+<p:sld xmlns:a="http://schemas.openxmlformats.org/drawingml/2006/main" xmlns:r="http://schemas.openxmlformats.org/officeDocument/2006/relationships" xmlns:p="http://schemas.openxmlformats.org/presentationml/2006/main">
+  <p:cSld>
+    <p:spTree>
+      <p:nvGrpSpPr>
+        <p:cNvPr id="1" name=""/>
+        <p:cNvGrpSpPr/>
+        <p:nvPr/>
+      </p:nvGrpSpPr>
+      <p:grpSpPr>
+        <a:xfrm>
+          <a:off x="0" y="0"/>
+          <a:ext cx="0" cy="0"/>
+          <a:chOff x="0" y="0"/>
+          <a:chExt cx="0" cy="0"/>
+        </a:xfrm>
+      </p:grpSpPr>
+      <p:sp>
+        <p:nvSpPr>
+          <p:cNvPr id="27" name="ZoneTexte 26">
+            <a:extLst>
+              <a:ext uri="{FF2B5EF4-FFF2-40B4-BE49-F238E27FC236}">
+                <a16:creationId xmlns:a16="http://schemas.microsoft.com/office/drawing/2014/main" id="{AF0DC408-AFDA-F98A-A4F1-0F30A160E013}"/>
+              </a:ext>
+            </a:extLst>
+          </p:cNvPr>
+          <p:cNvSpPr txBox="1"/>
+          <p:nvPr/>
+        </p:nvSpPr>
+        <p:spPr>
+          <a:xfrm>
+            <a:off x="1566938" y="537292"/>
+            <a:ext cx="8477302" cy="769441"/>
+          </a:xfrm>
+          <a:prstGeom prst="rect">
+            <a:avLst/>
+          </a:prstGeom>
+          <a:noFill/>
+        </p:spPr>
+        <p:txBody>
+          <a:bodyPr wrap="square" rtlCol="0">
+            <a:spAutoFit/>
+          </a:bodyPr>
+          <a:lstStyle/>
+          <a:p>
+            <a:pPr algn="ctr"/>
+            <a:r>
+              <a:rPr lang="fr-FR" sz="4400" b="1" dirty="0">
+                <a:solidFill>
+                  <a:schemeClr val="accent1">
+                    <a:lumMod val="50000"/>
+                  </a:schemeClr>
+                </a:solidFill>
+                <a:latin typeface="Times New Roman" panose="02020603050405020304" pitchFamily="18" charset="0"/>
+                <a:cs typeface="Times New Roman" panose="02020603050405020304" pitchFamily="18" charset="0"/>
+              </a:rPr>
+              <a:t>La section compétences</a:t>
+            </a:r>
+          </a:p>
+        </p:txBody>
+      </p:sp>
+      <p:sp>
+        <p:nvSpPr>
+          <p:cNvPr id="2" name="ZoneTexte 1">
+            <a:extLst>
+              <a:ext uri="{FF2B5EF4-FFF2-40B4-BE49-F238E27FC236}">
+                <a16:creationId xmlns:a16="http://schemas.microsoft.com/office/drawing/2014/main" id="{356E7E00-B8EA-719C-8E28-06C113B979ED}"/>
+              </a:ext>
+            </a:extLst>
+          </p:cNvPr>
+          <p:cNvSpPr txBox="1"/>
+          <p:nvPr/>
+        </p:nvSpPr>
+        <p:spPr>
+          <a:xfrm>
+            <a:off x="546754" y="1825207"/>
+            <a:ext cx="4562574" cy="369332"/>
+          </a:xfrm>
+          <a:prstGeom prst="rect">
+            <a:avLst/>
+          </a:prstGeom>
+          <a:noFill/>
+        </p:spPr>
+        <p:txBody>
+          <a:bodyPr wrap="square" rtlCol="0">
+            <a:spAutoFit/>
+          </a:bodyPr>
+          <a:lstStyle/>
+          <a:p>
+            <a:r>
+              <a:rPr lang="fr-FR" b="1" dirty="0">
+                <a:solidFill>
+                  <a:schemeClr val="accent1">
+                    <a:lumMod val="50000"/>
+                  </a:schemeClr>
+                </a:solidFill>
+              </a:rPr>
+              <a:t>I/ L’affichage des compétences</a:t>
+            </a:r>
+          </a:p>
+        </p:txBody>
+      </p:sp>
+      <p:pic>
+        <p:nvPicPr>
+          <p:cNvPr id="5" name="Image 4">
+            <a:extLst>
+              <a:ext uri="{FF2B5EF4-FFF2-40B4-BE49-F238E27FC236}">
+                <a16:creationId xmlns:a16="http://schemas.microsoft.com/office/drawing/2014/main" id="{D2D1FC23-F565-AB76-8291-7DAD11F21994}"/>
+              </a:ext>
+            </a:extLst>
+          </p:cNvPr>
+          <p:cNvPicPr>
+            <a:picLocks noChangeAspect="1"/>
+          </p:cNvPicPr>
+          <p:nvPr/>
+        </p:nvPicPr>
+        <p:blipFill>
+          <a:blip r:embed="rId2">
+            <a:extLst>
+              <a:ext uri="{28A0092B-C50C-407E-A947-70E740481C1C}">
+                <a14:useLocalDpi xmlns:a14="http://schemas.microsoft.com/office/drawing/2010/main" val="0"/>
+              </a:ext>
+            </a:extLst>
+          </a:blip>
+          <a:stretch>
+            <a:fillRect/>
+          </a:stretch>
+        </p:blipFill>
+        <p:spPr>
+          <a:xfrm>
+            <a:off x="5005466" y="1572091"/>
+            <a:ext cx="7041990" cy="4940387"/>
+          </a:xfrm>
+          <a:prstGeom prst="rect">
+            <a:avLst/>
+          </a:prstGeom>
+        </p:spPr>
+      </p:pic>
+      <p:pic>
+        <p:nvPicPr>
+          <p:cNvPr id="8" name="Image 7">
+            <a:extLst>
+              <a:ext uri="{FF2B5EF4-FFF2-40B4-BE49-F238E27FC236}">
+                <a16:creationId xmlns:a16="http://schemas.microsoft.com/office/drawing/2014/main" id="{E4CFCCD1-D56F-2B79-AB0A-E66E5B096F3C}"/>
+              </a:ext>
+            </a:extLst>
+          </p:cNvPr>
+          <p:cNvPicPr>
+            <a:picLocks noChangeAspect="1"/>
+          </p:cNvPicPr>
+          <p:nvPr/>
+        </p:nvPicPr>
+        <p:blipFill>
+          <a:blip r:embed="rId3">
+            <a:extLst>
+              <a:ext uri="{28A0092B-C50C-407E-A947-70E740481C1C}">
+                <a14:useLocalDpi xmlns:a14="http://schemas.microsoft.com/office/drawing/2010/main" val="0"/>
+              </a:ext>
+            </a:extLst>
+          </a:blip>
+          <a:stretch>
+            <a:fillRect/>
+          </a:stretch>
+        </p:blipFill>
+        <p:spPr>
+          <a:xfrm>
+            <a:off x="201623" y="3297709"/>
+            <a:ext cx="4907705" cy="3101609"/>
+          </a:xfrm>
+          <a:prstGeom prst="rect">
+            <a:avLst/>
+          </a:prstGeom>
+        </p:spPr>
+      </p:pic>
+      <p:pic>
+        <p:nvPicPr>
+          <p:cNvPr id="10" name="Image 9">
+            <a:extLst>
+              <a:ext uri="{FF2B5EF4-FFF2-40B4-BE49-F238E27FC236}">
+                <a16:creationId xmlns:a16="http://schemas.microsoft.com/office/drawing/2014/main" id="{87E1BC2A-0B25-2931-5979-CBE9C6DE5917}"/>
+              </a:ext>
+            </a:extLst>
+          </p:cNvPr>
+          <p:cNvPicPr>
+            <a:picLocks noChangeAspect="1"/>
+          </p:cNvPicPr>
+          <p:nvPr/>
+        </p:nvPicPr>
+        <p:blipFill>
+          <a:blip r:embed="rId4">
+            <a:extLst>
+              <a:ext uri="{28A0092B-C50C-407E-A947-70E740481C1C}">
+                <a14:useLocalDpi xmlns:a14="http://schemas.microsoft.com/office/drawing/2010/main" val="0"/>
+              </a:ext>
+            </a:extLst>
+          </a:blip>
+          <a:stretch>
+            <a:fillRect/>
+          </a:stretch>
+        </p:blipFill>
+        <p:spPr>
+          <a:xfrm>
+            <a:off x="4361611" y="2960354"/>
+            <a:ext cx="2149026" cy="1295512"/>
+          </a:xfrm>
+          <a:prstGeom prst="rect">
+            <a:avLst/>
+          </a:prstGeom>
+        </p:spPr>
+      </p:pic>
+    </p:spTree>
+    <p:extLst>
+      <p:ext uri="{BB962C8B-B14F-4D97-AF65-F5344CB8AC3E}">
+        <p14:creationId xmlns:p14="http://schemas.microsoft.com/office/powerpoint/2010/main" val="3361879874"/>
+      </p:ext>
+    </p:extLst>
+  </p:cSld>
+  <p:clrMapOvr>
+    <a:masterClrMapping/>
+  </p:clrMapOvr>
+  <p:timing>
+    <p:tnLst>
+      <p:par>
+        <p:cTn id="1" dur="indefinite" restart="never" nodeType="tmRoot">
+          <p:childTnLst>
+            <p:seq concurrent="1" nextAc="seek">
+              <p:cTn id="2" dur="indefinite" nodeType="mainSeq">
+                <p:childTnLst>
+                  <p:par>
+                    <p:cTn id="3" fill="hold">
+                      <p:stCondLst>
+                        <p:cond delay="indefinite"/>
+                      </p:stCondLst>
+                      <p:childTnLst>
+                        <p:par>
+                          <p:cTn id="4" fill="hold">
+                            <p:stCondLst>
+                              <p:cond delay="0"/>
+                            </p:stCondLst>
+                            <p:childTnLst>
+                              <p:par>
+                                <p:cTn id="5" presetID="1" presetClass="exit" presetSubtype="0" fill="hold" nodeType="clickEffect">
+                                  <p:stCondLst>
+                                    <p:cond delay="0"/>
+                                  </p:stCondLst>
+                                  <p:childTnLst>
+                                    <p:set>
+                                      <p:cBhvr>
+                                        <p:cTn id="6" dur="1" fill="hold">
+                                          <p:stCondLst>
+                                            <p:cond delay="0"/>
+                                          </p:stCondLst>
+                                        </p:cTn>
+                                        <p:tgtEl>
+                                          <p:spTgt spid="10"/>
+                                        </p:tgtEl>
+                                        <p:attrNameLst>
+                                          <p:attrName>style.visibility</p:attrName>
+                                        </p:attrNameLst>
+                                      </p:cBhvr>
+                                      <p:to>
+                                        <p:strVal val="hidden"/>
+                                      </p:to>
+                                    </p:set>
+                                  </p:childTnLst>
+                                </p:cTn>
+                              </p:par>
+                            </p:childTnLst>
+                          </p:cTn>
+                        </p:par>
+                        <p:par>
+                          <p:cTn id="7" fill="hold">
+                            <p:stCondLst>
+                              <p:cond delay="0"/>
+                            </p:stCondLst>
+                            <p:childTnLst>
+                              <p:par>
+                                <p:cTn id="8" presetID="1" presetClass="entr" presetSubtype="0" fill="hold" nodeType="afterEffect">
+                                  <p:stCondLst>
+                                    <p:cond delay="0"/>
+                                  </p:stCondLst>
+                                  <p:childTnLst>
+                                    <p:set>
+                                      <p:cBhvr>
+                                        <p:cTn id="9" dur="1" fill="hold">
+                                          <p:stCondLst>
+                                            <p:cond delay="0"/>
+                                          </p:stCondLst>
+                                        </p:cTn>
+                                        <p:tgtEl>
+                                          <p:spTgt spid="5"/>
+                                        </p:tgtEl>
+                                        <p:attrNameLst>
+                                          <p:attrName>style.visibility</p:attrName>
+                                        </p:attrNameLst>
+                                      </p:cBhvr>
+                                      <p:to>
+                                        <p:strVal val="visible"/>
+                                      </p:to>
+                                    </p:set>
+                                  </p:childTnLst>
+                                </p:cTn>
+                              </p:par>
+                              <p:par>
+                                <p:cTn id="10" presetID="1" presetClass="entr" presetSubtype="0" fill="hold" nodeType="withEffect">
+                                  <p:stCondLst>
+                                    <p:cond delay="0"/>
+                                  </p:stCondLst>
+                                  <p:childTnLst>
+                                    <p:set>
+                                      <p:cBhvr>
+                                        <p:cTn id="11" dur="1" fill="hold">
+                                          <p:stCondLst>
+                                            <p:cond delay="0"/>
+                                          </p:stCondLst>
+                                        </p:cTn>
+                                        <p:tgtEl>
+                                          <p:spTgt spid="8"/>
+                                        </p:tgtEl>
+                                        <p:attrNameLst>
+                                          <p:attrName>style.visibility</p:attrName>
+                                        </p:attrNameLst>
+                                      </p:cBhvr>
+                                      <p:to>
+                                        <p:strVal val="visible"/>
+                                      </p:to>
+                                    </p:set>
+                                  </p:childTnLst>
+                                </p:cTn>
+                              </p:par>
+                            </p:childTnLst>
+                          </p:cTn>
+                        </p:par>
+                      </p:childTnLst>
+                    </p:cTn>
+                  </p:par>
+                </p:childTnLst>
+              </p:cTn>
+              <p:prevCondLst>
+                <p:cond evt="onPrev" delay="0">
+                  <p:tgtEl>
+                    <p:sldTgt/>
+                  </p:tgtEl>
+                </p:cond>
+              </p:prevCondLst>
+              <p:nextCondLst>
+                <p:cond evt="onNext" delay="0">
+                  <p:tgtEl>
+                    <p:sldTgt/>
+                  </p:tgtEl>
+                </p:cond>
+              </p:nextCondLst>
+            </p:seq>
+          </p:childTnLst>
+        </p:cTn>
+      </p:par>
+    </p:tnLst>
+  </p:timing>
+</p:sld>
+</file>
+
+<file path=ppt/slides/slide12.xml><?xml version="1.0" encoding="utf-8"?>
+<p:sld xmlns:a="http://schemas.openxmlformats.org/drawingml/2006/main" xmlns:r="http://schemas.openxmlformats.org/officeDocument/2006/relationships" xmlns:p="http://schemas.openxmlformats.org/presentationml/2006/main">
+  <p:cSld>
+    <p:spTree>
+      <p:nvGrpSpPr>
+        <p:cNvPr id="1" name=""/>
+        <p:cNvGrpSpPr/>
+        <p:nvPr/>
+      </p:nvGrpSpPr>
+      <p:grpSpPr>
+        <a:xfrm>
+          <a:off x="0" y="0"/>
+          <a:ext cx="0" cy="0"/>
+          <a:chOff x="0" y="0"/>
+          <a:chExt cx="0" cy="0"/>
+        </a:xfrm>
+      </p:grpSpPr>
+      <p:sp>
+        <p:nvSpPr>
+          <p:cNvPr id="27" name="ZoneTexte 26">
+            <a:extLst>
+              <a:ext uri="{FF2B5EF4-FFF2-40B4-BE49-F238E27FC236}">
+                <a16:creationId xmlns:a16="http://schemas.microsoft.com/office/drawing/2014/main" id="{AF0DC408-AFDA-F98A-A4F1-0F30A160E013}"/>
+              </a:ext>
+            </a:extLst>
+          </p:cNvPr>
+          <p:cNvSpPr txBox="1"/>
+          <p:nvPr/>
+        </p:nvSpPr>
+        <p:spPr>
+          <a:xfrm>
+            <a:off x="1566938" y="537292"/>
+            <a:ext cx="8477302" cy="769441"/>
+          </a:xfrm>
+          <a:prstGeom prst="rect">
+            <a:avLst/>
+          </a:prstGeom>
+          <a:noFill/>
+        </p:spPr>
+        <p:txBody>
+          <a:bodyPr wrap="square" rtlCol="0">
+            <a:spAutoFit/>
+          </a:bodyPr>
+          <a:lstStyle/>
+          <a:p>
+            <a:pPr algn="ctr"/>
+            <a:r>
+              <a:rPr lang="fr-FR" sz="4400" b="1" dirty="0">
+                <a:solidFill>
+                  <a:schemeClr val="accent1">
+                    <a:lumMod val="50000"/>
+                  </a:schemeClr>
+                </a:solidFill>
+                <a:latin typeface="Times New Roman" panose="02020603050405020304" pitchFamily="18" charset="0"/>
+                <a:cs typeface="Times New Roman" panose="02020603050405020304" pitchFamily="18" charset="0"/>
+              </a:rPr>
+              <a:t>Le formulaire de contact</a:t>
+            </a:r>
+          </a:p>
+        </p:txBody>
+      </p:sp>
+      <p:sp>
+        <p:nvSpPr>
+          <p:cNvPr id="2" name="ZoneTexte 1">
+            <a:extLst>
+              <a:ext uri="{FF2B5EF4-FFF2-40B4-BE49-F238E27FC236}">
+                <a16:creationId xmlns:a16="http://schemas.microsoft.com/office/drawing/2014/main" id="{356E7E00-B8EA-719C-8E28-06C113B979ED}"/>
+              </a:ext>
+            </a:extLst>
+          </p:cNvPr>
+          <p:cNvSpPr txBox="1"/>
+          <p:nvPr/>
+        </p:nvSpPr>
+        <p:spPr>
+          <a:xfrm>
+            <a:off x="546754" y="1825207"/>
+            <a:ext cx="4562574" cy="369332"/>
+          </a:xfrm>
+          <a:prstGeom prst="rect">
+            <a:avLst/>
+          </a:prstGeom>
+          <a:noFill/>
+        </p:spPr>
+        <p:txBody>
+          <a:bodyPr wrap="square" rtlCol="0">
+            <a:spAutoFit/>
+          </a:bodyPr>
+          <a:lstStyle/>
+          <a:p>
+            <a:r>
+              <a:rPr lang="fr-FR" b="1" dirty="0">
+                <a:solidFill>
+                  <a:schemeClr val="accent1">
+                    <a:lumMod val="50000"/>
+                  </a:schemeClr>
+                </a:solidFill>
+              </a:rPr>
+              <a:t>I/ L’envoi du mail et l’alerte</a:t>
+            </a:r>
+          </a:p>
+        </p:txBody>
+      </p:sp>
+      <p:pic>
+        <p:nvPicPr>
+          <p:cNvPr id="5" name="Image 4">
+            <a:extLst>
+              <a:ext uri="{FF2B5EF4-FFF2-40B4-BE49-F238E27FC236}">
+                <a16:creationId xmlns:a16="http://schemas.microsoft.com/office/drawing/2014/main" id="{B2CB84FF-EF29-59A5-E788-1E192069D681}"/>
+              </a:ext>
+            </a:extLst>
+          </p:cNvPr>
+          <p:cNvPicPr>
+            <a:picLocks noChangeAspect="1"/>
+          </p:cNvPicPr>
+          <p:nvPr/>
+        </p:nvPicPr>
+        <p:blipFill>
+          <a:blip r:embed="rId2">
+            <a:extLst>
+              <a:ext uri="{28A0092B-C50C-407E-A947-70E740481C1C}">
+                <a14:useLocalDpi xmlns:a14="http://schemas.microsoft.com/office/drawing/2010/main" val="0"/>
+              </a:ext>
+            </a:extLst>
+          </a:blip>
+          <a:stretch>
+            <a:fillRect/>
+          </a:stretch>
+        </p:blipFill>
+        <p:spPr>
+          <a:xfrm>
+            <a:off x="2163359" y="2375556"/>
+            <a:ext cx="8355031" cy="3796708"/>
+          </a:xfrm>
+          <a:prstGeom prst="rect">
+            <a:avLst/>
+          </a:prstGeom>
+        </p:spPr>
+      </p:pic>
+      <p:pic>
+        <p:nvPicPr>
+          <p:cNvPr id="8" name="Image 7">
+            <a:extLst>
+              <a:ext uri="{FF2B5EF4-FFF2-40B4-BE49-F238E27FC236}">
+                <a16:creationId xmlns:a16="http://schemas.microsoft.com/office/drawing/2014/main" id="{328D7D1C-2D83-0CF6-498E-D0259FE08E6B}"/>
+              </a:ext>
+            </a:extLst>
+          </p:cNvPr>
+          <p:cNvPicPr>
+            <a:picLocks noChangeAspect="1"/>
+          </p:cNvPicPr>
+          <p:nvPr/>
+        </p:nvPicPr>
+        <p:blipFill>
+          <a:blip r:embed="rId3">
+            <a:extLst>
+              <a:ext uri="{28A0092B-C50C-407E-A947-70E740481C1C}">
+                <a14:useLocalDpi xmlns:a14="http://schemas.microsoft.com/office/drawing/2010/main" val="0"/>
+              </a:ext>
+            </a:extLst>
+          </a:blip>
+          <a:stretch>
+            <a:fillRect/>
+          </a:stretch>
+        </p:blipFill>
+        <p:spPr>
+          <a:xfrm>
+            <a:off x="2032813" y="2375556"/>
+            <a:ext cx="8616121" cy="3796708"/>
+          </a:xfrm>
+          <a:prstGeom prst="rect">
+            <a:avLst/>
+          </a:prstGeom>
+        </p:spPr>
+      </p:pic>
+    </p:spTree>
+    <p:extLst>
+      <p:ext uri="{BB962C8B-B14F-4D97-AF65-F5344CB8AC3E}">
+        <p14:creationId xmlns:p14="http://schemas.microsoft.com/office/powerpoint/2010/main" val="2373425529"/>
+      </p:ext>
+    </p:extLst>
+  </p:cSld>
+  <p:clrMapOvr>
+    <a:masterClrMapping/>
+  </p:clrMapOvr>
+  <p:timing>
+    <p:tnLst>
+      <p:par>
+        <p:cTn id="1" dur="indefinite" restart="never" nodeType="tmRoot">
+          <p:childTnLst>
+            <p:seq concurrent="1" nextAc="seek">
+              <p:cTn id="2" dur="indefinite" nodeType="mainSeq">
+                <p:childTnLst>
+                  <p:par>
+                    <p:cTn id="3" fill="hold">
+                      <p:stCondLst>
+                        <p:cond delay="indefinite"/>
+                      </p:stCondLst>
+                      <p:childTnLst>
+                        <p:par>
+                          <p:cTn id="4" fill="hold">
+                            <p:stCondLst>
+                              <p:cond delay="0"/>
+                            </p:stCondLst>
+                            <p:childTnLst>
+                              <p:par>
+                                <p:cTn id="5" presetID="1" presetClass="exit" presetSubtype="0" fill="hold" nodeType="clickEffect">
+                                  <p:stCondLst>
+                                    <p:cond delay="0"/>
+                                  </p:stCondLst>
+                                  <p:childTnLst>
+                                    <p:set>
+                                      <p:cBhvr>
+                                        <p:cTn id="6" dur="1" fill="hold">
+                                          <p:stCondLst>
+                                            <p:cond delay="0"/>
+                                          </p:stCondLst>
+                                        </p:cTn>
+                                        <p:tgtEl>
+                                          <p:spTgt spid="5"/>
+                                        </p:tgtEl>
+                                        <p:attrNameLst>
+                                          <p:attrName>style.visibility</p:attrName>
+                                        </p:attrNameLst>
+                                      </p:cBhvr>
+                                      <p:to>
+                                        <p:strVal val="hidden"/>
+                                      </p:to>
+                                    </p:set>
+                                  </p:childTnLst>
+                                </p:cTn>
+                              </p:par>
+                              <p:par>
+                                <p:cTn id="7" presetID="1" presetClass="entr" presetSubtype="0" fill="hold" nodeType="withEffect">
+                                  <p:stCondLst>
+                                    <p:cond delay="0"/>
+                                  </p:stCondLst>
+                                  <p:childTnLst>
+                                    <p:set>
+                                      <p:cBhvr>
+                                        <p:cTn id="8" dur="1" fill="hold">
+                                          <p:stCondLst>
+                                            <p:cond delay="0"/>
+                                          </p:stCondLst>
+                                        </p:cTn>
+                                        <p:tgtEl>
+                                          <p:spTgt spid="8"/>
+                                        </p:tgtEl>
+                                        <p:attrNameLst>
+                                          <p:attrName>style.visibility</p:attrName>
+                                        </p:attrNameLst>
+                                      </p:cBhvr>
+                                      <p:to>
+                                        <p:strVal val="visible"/>
+                                      </p:to>
+                                    </p:set>
+                                  </p:childTnLst>
+                                </p:cTn>
+                              </p:par>
+                            </p:childTnLst>
+                          </p:cTn>
+                        </p:par>
+                      </p:childTnLst>
+                    </p:cTn>
+                  </p:par>
+                </p:childTnLst>
+              </p:cTn>
+              <p:prevCondLst>
+                <p:cond evt="onPrev" delay="0">
+                  <p:tgtEl>
+                    <p:sldTgt/>
+                  </p:tgtEl>
+                </p:cond>
+              </p:prevCondLst>
+              <p:nextCondLst>
+                <p:cond evt="onNext" delay="0">
+                  <p:tgtEl>
+                    <p:sldTgt/>
+                  </p:tgtEl>
+                </p:cond>
+              </p:nextCondLst>
+            </p:seq>
+          </p:childTnLst>
+        </p:cTn>
+      </p:par>
+    </p:tnLst>
+  </p:timing>
+</p:sld>
+</file>
+
+<file path=ppt/slides/slide13.xml><?xml version="1.0" encoding="utf-8"?>
+<p:sld xmlns:a="http://schemas.openxmlformats.org/drawingml/2006/main" xmlns:r="http://schemas.openxmlformats.org/officeDocument/2006/relationships" xmlns:p="http://schemas.openxmlformats.org/presentationml/2006/main">
+  <p:cSld>
+    <p:spTree>
+      <p:nvGrpSpPr>
+        <p:cNvPr id="1" name=""/>
+        <p:cNvGrpSpPr/>
+        <p:nvPr/>
+      </p:nvGrpSpPr>
+      <p:grpSpPr>
+        <a:xfrm>
+          <a:off x="0" y="0"/>
+          <a:ext cx="0" cy="0"/>
+          <a:chOff x="0" y="0"/>
+          <a:chExt cx="0" cy="0"/>
+        </a:xfrm>
+      </p:grpSpPr>
+      <p:sp>
+        <p:nvSpPr>
+          <p:cNvPr id="27" name="ZoneTexte 26">
+            <a:extLst>
+              <a:ext uri="{FF2B5EF4-FFF2-40B4-BE49-F238E27FC236}">
+                <a16:creationId xmlns:a16="http://schemas.microsoft.com/office/drawing/2014/main" id="{AF0DC408-AFDA-F98A-A4F1-0F30A160E013}"/>
+              </a:ext>
+            </a:extLst>
+          </p:cNvPr>
+          <p:cNvSpPr txBox="1"/>
+          <p:nvPr/>
+        </p:nvSpPr>
+        <p:spPr>
+          <a:xfrm>
+            <a:off x="1566938" y="537292"/>
+            <a:ext cx="8477302" cy="769441"/>
+          </a:xfrm>
+          <a:prstGeom prst="rect">
+            <a:avLst/>
+          </a:prstGeom>
+          <a:noFill/>
+        </p:spPr>
+        <p:txBody>
+          <a:bodyPr wrap="square" rtlCol="0">
+            <a:spAutoFit/>
+          </a:bodyPr>
+          <a:lstStyle/>
+          <a:p>
+            <a:pPr algn="ctr"/>
+            <a:r>
+              <a:rPr lang="fr-FR" sz="4400" b="1" dirty="0">
+                <a:solidFill>
+                  <a:schemeClr val="accent1">
+                    <a:lumMod val="50000"/>
+                  </a:schemeClr>
+                </a:solidFill>
+                <a:latin typeface="Times New Roman" panose="02020603050405020304" pitchFamily="18" charset="0"/>
+                <a:cs typeface="Times New Roman" panose="02020603050405020304" pitchFamily="18" charset="0"/>
+              </a:rPr>
+              <a:t>Le footer</a:t>
+            </a:r>
+          </a:p>
+        </p:txBody>
+      </p:sp>
+      <p:sp>
+        <p:nvSpPr>
+          <p:cNvPr id="2" name="ZoneTexte 1">
+            <a:extLst>
+              <a:ext uri="{FF2B5EF4-FFF2-40B4-BE49-F238E27FC236}">
+                <a16:creationId xmlns:a16="http://schemas.microsoft.com/office/drawing/2014/main" id="{356E7E00-B8EA-719C-8E28-06C113B979ED}"/>
+              </a:ext>
+            </a:extLst>
+          </p:cNvPr>
+          <p:cNvSpPr txBox="1"/>
+          <p:nvPr/>
+        </p:nvSpPr>
+        <p:spPr>
+          <a:xfrm>
+            <a:off x="546754" y="1825207"/>
+            <a:ext cx="4562574" cy="369332"/>
+          </a:xfrm>
+          <a:prstGeom prst="rect">
+            <a:avLst/>
+          </a:prstGeom>
+          <a:noFill/>
+        </p:spPr>
+        <p:txBody>
+          <a:bodyPr wrap="square" rtlCol="0">
+            <a:spAutoFit/>
+          </a:bodyPr>
+          <a:lstStyle/>
+          <a:p>
+            <a:r>
+              <a:rPr lang="fr-FR" b="1" dirty="0">
+                <a:solidFill>
+                  <a:schemeClr val="accent1">
+                    <a:lumMod val="50000"/>
+                  </a:schemeClr>
+                </a:solidFill>
+              </a:rPr>
+              <a:t>I/ Les liens du footer</a:t>
+            </a:r>
+          </a:p>
+        </p:txBody>
+      </p:sp>
+      <p:pic>
+        <p:nvPicPr>
+          <p:cNvPr id="5" name="Image 4">
+            <a:extLst>
+              <a:ext uri="{FF2B5EF4-FFF2-40B4-BE49-F238E27FC236}">
+                <a16:creationId xmlns:a16="http://schemas.microsoft.com/office/drawing/2014/main" id="{2DF5D7D2-F375-1B69-FB7A-F1E2EC06CE01}"/>
+              </a:ext>
+            </a:extLst>
+          </p:cNvPr>
+          <p:cNvPicPr>
+            <a:picLocks noChangeAspect="1"/>
+          </p:cNvPicPr>
+          <p:nvPr/>
+        </p:nvPicPr>
+        <p:blipFill>
+          <a:blip r:embed="rId2">
+            <a:extLst>
+              <a:ext uri="{28A0092B-C50C-407E-A947-70E740481C1C}">
+                <a14:useLocalDpi xmlns:a14="http://schemas.microsoft.com/office/drawing/2010/main" val="0"/>
+              </a:ext>
+            </a:extLst>
+          </a:blip>
+          <a:stretch>
+            <a:fillRect/>
+          </a:stretch>
+        </p:blipFill>
+        <p:spPr>
+          <a:xfrm>
+            <a:off x="2915475" y="2230340"/>
+            <a:ext cx="8179824" cy="4204636"/>
+          </a:xfrm>
+          <a:prstGeom prst="rect">
+            <a:avLst/>
+          </a:prstGeom>
+        </p:spPr>
+      </p:pic>
+    </p:spTree>
+    <p:extLst>
+      <p:ext uri="{BB962C8B-B14F-4D97-AF65-F5344CB8AC3E}">
+        <p14:creationId xmlns:p14="http://schemas.microsoft.com/office/powerpoint/2010/main" val="1682314470"/>
+      </p:ext>
+    </p:extLst>
+  </p:cSld>
+  <p:clrMapOvr>
+    <a:masterClrMapping/>
+  </p:clrMapOvr>
+</p:sld>
+</file>
+
+<file path=ppt/slides/slide14.xml><?xml version="1.0" encoding="utf-8"?>
+<p:sld xmlns:a="http://schemas.openxmlformats.org/drawingml/2006/main" xmlns:r="http://schemas.openxmlformats.org/officeDocument/2006/relationships" xmlns:p="http://schemas.openxmlformats.org/presentationml/2006/main">
+  <p:cSld>
+    <p:spTree>
+      <p:nvGrpSpPr>
+        <p:cNvPr id="1" name=""/>
+        <p:cNvGrpSpPr/>
+        <p:nvPr/>
+      </p:nvGrpSpPr>
+      <p:grpSpPr>
+        <a:xfrm>
+          <a:off x="0" y="0"/>
+          <a:ext cx="0" cy="0"/>
+          <a:chOff x="0" y="0"/>
+          <a:chExt cx="0" cy="0"/>
+        </a:xfrm>
+      </p:grpSpPr>
+      <p:sp>
+        <p:nvSpPr>
+          <p:cNvPr id="27" name="ZoneTexte 26">
+            <a:extLst>
+              <a:ext uri="{FF2B5EF4-FFF2-40B4-BE49-F238E27FC236}">
+                <a16:creationId xmlns:a16="http://schemas.microsoft.com/office/drawing/2014/main" id="{AF0DC408-AFDA-F98A-A4F1-0F30A160E013}"/>
+              </a:ext>
+            </a:extLst>
+          </p:cNvPr>
+          <p:cNvSpPr txBox="1"/>
+          <p:nvPr/>
+        </p:nvSpPr>
+        <p:spPr>
+          <a:xfrm>
+            <a:off x="1566938" y="537292"/>
+            <a:ext cx="8477302" cy="769441"/>
+          </a:xfrm>
+          <a:prstGeom prst="rect">
+            <a:avLst/>
+          </a:prstGeom>
+          <a:noFill/>
+        </p:spPr>
+        <p:txBody>
+          <a:bodyPr wrap="square" rtlCol="0">
+            <a:spAutoFit/>
+          </a:bodyPr>
+          <a:lstStyle/>
+          <a:p>
+            <a:pPr algn="ctr"/>
+            <a:r>
+              <a:rPr lang="fr-FR" sz="4400" b="1" dirty="0">
+                <a:solidFill>
+                  <a:schemeClr val="accent1">
+                    <a:lumMod val="50000"/>
+                  </a:schemeClr>
+                </a:solidFill>
+                <a:latin typeface="Times New Roman" panose="02020603050405020304" pitchFamily="18" charset="0"/>
+                <a:cs typeface="Times New Roman" panose="02020603050405020304" pitchFamily="18" charset="0"/>
+              </a:rPr>
+              <a:t>Conclusion</a:t>
+            </a:r>
+          </a:p>
+        </p:txBody>
+      </p:sp>
+    </p:spTree>
+    <p:extLst>
+      <p:ext uri="{BB962C8B-B14F-4D97-AF65-F5344CB8AC3E}">
+        <p14:creationId xmlns:p14="http://schemas.microsoft.com/office/powerpoint/2010/main" val="2940579101"/>
+      </p:ext>
+    </p:extLst>
+  </p:cSld>
+  <p:clrMapOvr>
+    <a:masterClrMapping/>
+  </p:clrMapOvr>
+</p:sld>
+</file>
+
 <file path=ppt/slides/slide2.xml><?xml version="1.0" encoding="utf-8"?>
 <p:sld xmlns:a="http://schemas.openxmlformats.org/drawingml/2006/main" xmlns:r="http://schemas.openxmlformats.org/officeDocument/2006/relationships" xmlns:p="http://schemas.openxmlformats.org/presentationml/2006/main">
   <p:cSld>
@@ -3285,61 +4319,88 @@
       </p:grpSpPr>
       <p:sp>
         <p:nvSpPr>
-          <p:cNvPr id="2" name="Titre 1">
+          <p:cNvPr id="27" name="ZoneTexte 26">
             <a:extLst>
               <a:ext uri="{FF2B5EF4-FFF2-40B4-BE49-F238E27FC236}">
-                <a16:creationId xmlns:a16="http://schemas.microsoft.com/office/drawing/2014/main" id="{4B45D6B3-B6FD-AA8B-17CB-6CC6C10C47D8}"/>
+                <a16:creationId xmlns:a16="http://schemas.microsoft.com/office/drawing/2014/main" id="{AF0DC408-AFDA-F98A-A4F1-0F30A160E013}"/>
               </a:ext>
             </a:extLst>
           </p:cNvPr>
-          <p:cNvSpPr>
-            <a:spLocks noGrp="1"/>
-          </p:cNvSpPr>
-          <p:nvPr>
-            <p:ph type="title"/>
-          </p:nvPr>
-        </p:nvSpPr>
-        <p:spPr/>
-        <p:txBody>
-          <a:bodyPr/>
-          <a:lstStyle/>
-          <a:p>
-            <a:r>
-              <a:rPr lang="fr-FR"/>
-              <a:t>cartementale</a:t>
-            </a:r>
-          </a:p>
-        </p:txBody>
-      </p:sp>
-      <p:sp>
-        <p:nvSpPr>
-          <p:cNvPr id="3" name="Espace réservé du contenu 2">
+          <p:cNvSpPr txBox="1"/>
+          <p:nvPr/>
+        </p:nvSpPr>
+        <p:spPr>
+          <a:xfrm>
+            <a:off x="1566938" y="537292"/>
+            <a:ext cx="8477302" cy="769441"/>
+          </a:xfrm>
+          <a:prstGeom prst="rect">
+            <a:avLst/>
+          </a:prstGeom>
+          <a:noFill/>
+        </p:spPr>
+        <p:txBody>
+          <a:bodyPr wrap="square" rtlCol="0">
+            <a:spAutoFit/>
+          </a:bodyPr>
+          <a:lstStyle/>
+          <a:p>
+            <a:pPr algn="ctr"/>
+            <a:r>
+              <a:rPr lang="fr-FR" sz="4400" b="1" dirty="0">
+                <a:solidFill>
+                  <a:schemeClr val="accent1">
+                    <a:lumMod val="50000"/>
+                  </a:schemeClr>
+                </a:solidFill>
+                <a:latin typeface="Times New Roman" panose="02020603050405020304" pitchFamily="18" charset="0"/>
+                <a:cs typeface="Times New Roman" panose="02020603050405020304" pitchFamily="18" charset="0"/>
+              </a:rPr>
+              <a:t>Carte mentale de compétences</a:t>
+            </a:r>
+          </a:p>
+        </p:txBody>
+      </p:sp>
+      <p:pic>
+        <p:nvPicPr>
+          <p:cNvPr id="3" name="Image 2">
             <a:extLst>
               <a:ext uri="{FF2B5EF4-FFF2-40B4-BE49-F238E27FC236}">
-                <a16:creationId xmlns:a16="http://schemas.microsoft.com/office/drawing/2014/main" id="{FB76046E-D9E9-2ECA-BDDF-720F71FB0DF7}"/>
+                <a16:creationId xmlns:a16="http://schemas.microsoft.com/office/drawing/2014/main" id="{1D6D59F9-DBE0-1589-A8A5-F0730B4E8868}"/>
               </a:ext>
             </a:extLst>
           </p:cNvPr>
-          <p:cNvSpPr>
-            <a:spLocks noGrp="1"/>
-          </p:cNvSpPr>
-          <p:nvPr>
-            <p:ph idx="1"/>
-          </p:nvPr>
-        </p:nvSpPr>
-        <p:spPr/>
-        <p:txBody>
-          <a:bodyPr/>
-          <a:lstStyle/>
-          <a:p>
-            <a:endParaRPr lang="fr-FR"/>
-          </a:p>
-        </p:txBody>
-      </p:sp>
+          <p:cNvPicPr>
+            <a:picLocks noChangeAspect="1"/>
+          </p:cNvPicPr>
+          <p:nvPr/>
+        </p:nvPicPr>
+        <p:blipFill>
+          <a:blip r:embed="rId2">
+            <a:extLst>
+              <a:ext uri="{28A0092B-C50C-407E-A947-70E740481C1C}">
+                <a14:useLocalDpi xmlns:a14="http://schemas.microsoft.com/office/drawing/2010/main" val="0"/>
+              </a:ext>
+            </a:extLst>
+          </a:blip>
+          <a:stretch>
+            <a:fillRect/>
+          </a:stretch>
+        </p:blipFill>
+        <p:spPr>
+          <a:xfrm>
+            <a:off x="218388" y="1528629"/>
+            <a:ext cx="11755224" cy="4703471"/>
+          </a:xfrm>
+          <a:prstGeom prst="rect">
+            <a:avLst/>
+          </a:prstGeom>
+        </p:spPr>
+      </p:pic>
     </p:spTree>
     <p:extLst>
       <p:ext uri="{BB962C8B-B14F-4D97-AF65-F5344CB8AC3E}">
-        <p14:creationId xmlns:p14="http://schemas.microsoft.com/office/powerpoint/2010/main" val="335752569"/>
+        <p14:creationId xmlns:p14="http://schemas.microsoft.com/office/powerpoint/2010/main" val="2437274302"/>
       </p:ext>
     </p:extLst>
   </p:cSld>
@@ -3405,21 +4466,384 @@
                 <a:latin typeface="Times New Roman" panose="02020603050405020304" pitchFamily="18" charset="0"/>
                 <a:cs typeface="Times New Roman" panose="02020603050405020304" pitchFamily="18" charset="0"/>
               </a:rPr>
-              <a:t>Présentation du site</a:t>
-            </a:r>
-          </a:p>
-        </p:txBody>
-      </p:sp>
+              <a:t>Offres d’emploi</a:t>
+            </a:r>
+          </a:p>
+        </p:txBody>
+      </p:sp>
+      <p:pic>
+        <p:nvPicPr>
+          <p:cNvPr id="3" name="Image 2">
+            <a:extLst>
+              <a:ext uri="{FF2B5EF4-FFF2-40B4-BE49-F238E27FC236}">
+                <a16:creationId xmlns:a16="http://schemas.microsoft.com/office/drawing/2014/main" id="{DF7A49B8-FFA4-AB96-FCD4-4DB8CD02FBD0}"/>
+              </a:ext>
+            </a:extLst>
+          </p:cNvPr>
+          <p:cNvPicPr>
+            <a:picLocks noChangeAspect="1"/>
+          </p:cNvPicPr>
+          <p:nvPr/>
+        </p:nvPicPr>
+        <p:blipFill>
+          <a:blip r:embed="rId2">
+            <a:extLst>
+              <a:ext uri="{28A0092B-C50C-407E-A947-70E740481C1C}">
+                <a14:useLocalDpi xmlns:a14="http://schemas.microsoft.com/office/drawing/2010/main" val="0"/>
+              </a:ext>
+            </a:extLst>
+          </a:blip>
+          <a:stretch>
+            <a:fillRect/>
+          </a:stretch>
+        </p:blipFill>
+        <p:spPr>
+          <a:xfrm>
+            <a:off x="8832928" y="94268"/>
+            <a:ext cx="3222816" cy="6858000"/>
+          </a:xfrm>
+          <a:prstGeom prst="rect">
+            <a:avLst/>
+          </a:prstGeom>
+        </p:spPr>
+      </p:pic>
+      <p:pic>
+        <p:nvPicPr>
+          <p:cNvPr id="5" name="Image 4">
+            <a:extLst>
+              <a:ext uri="{FF2B5EF4-FFF2-40B4-BE49-F238E27FC236}">
+                <a16:creationId xmlns:a16="http://schemas.microsoft.com/office/drawing/2014/main" id="{D43609F7-C496-B3F8-9A71-023FAAE8056C}"/>
+              </a:ext>
+            </a:extLst>
+          </p:cNvPr>
+          <p:cNvPicPr>
+            <a:picLocks noChangeAspect="1"/>
+          </p:cNvPicPr>
+          <p:nvPr/>
+        </p:nvPicPr>
+        <p:blipFill>
+          <a:blip r:embed="rId3">
+            <a:extLst>
+              <a:ext uri="{28A0092B-C50C-407E-A947-70E740481C1C}">
+                <a14:useLocalDpi xmlns:a14="http://schemas.microsoft.com/office/drawing/2010/main" val="0"/>
+              </a:ext>
+            </a:extLst>
+          </a:blip>
+          <a:stretch>
+            <a:fillRect/>
+          </a:stretch>
+        </p:blipFill>
+        <p:spPr>
+          <a:xfrm>
+            <a:off x="3453797" y="1306733"/>
+            <a:ext cx="5186279" cy="5730413"/>
+          </a:xfrm>
+          <a:prstGeom prst="rect">
+            <a:avLst/>
+          </a:prstGeom>
+        </p:spPr>
+      </p:pic>
+      <p:pic>
+        <p:nvPicPr>
+          <p:cNvPr id="7" name="Image 6">
+            <a:extLst>
+              <a:ext uri="{FF2B5EF4-FFF2-40B4-BE49-F238E27FC236}">
+                <a16:creationId xmlns:a16="http://schemas.microsoft.com/office/drawing/2014/main" id="{E1BD7BE6-F817-61FD-C4E0-44B219CE439A}"/>
+              </a:ext>
+            </a:extLst>
+          </p:cNvPr>
+          <p:cNvPicPr>
+            <a:picLocks noChangeAspect="1"/>
+          </p:cNvPicPr>
+          <p:nvPr/>
+        </p:nvPicPr>
+        <p:blipFill>
+          <a:blip r:embed="rId4">
+            <a:extLst>
+              <a:ext uri="{28A0092B-C50C-407E-A947-70E740481C1C}">
+                <a14:useLocalDpi xmlns:a14="http://schemas.microsoft.com/office/drawing/2010/main" val="0"/>
+              </a:ext>
+            </a:extLst>
+          </a:blip>
+          <a:stretch>
+            <a:fillRect/>
+          </a:stretch>
+        </p:blipFill>
+        <p:spPr>
+          <a:xfrm>
+            <a:off x="136256" y="179146"/>
+            <a:ext cx="3317541" cy="6858000"/>
+          </a:xfrm>
+          <a:prstGeom prst="rect">
+            <a:avLst/>
+          </a:prstGeom>
+        </p:spPr>
+      </p:pic>
     </p:spTree>
     <p:extLst>
       <p:ext uri="{BB962C8B-B14F-4D97-AF65-F5344CB8AC3E}">
-        <p14:creationId xmlns:p14="http://schemas.microsoft.com/office/powerpoint/2010/main" val="2308226599"/>
+        <p14:creationId xmlns:p14="http://schemas.microsoft.com/office/powerpoint/2010/main" val="2482149271"/>
       </p:ext>
     </p:extLst>
   </p:cSld>
   <p:clrMapOvr>
     <a:masterClrMapping/>
   </p:clrMapOvr>
+  <p:timing>
+    <p:tnLst>
+      <p:par>
+        <p:cTn id="1" dur="indefinite" restart="never" nodeType="tmRoot">
+          <p:childTnLst>
+            <p:seq concurrent="1" nextAc="seek">
+              <p:cTn id="2" dur="indefinite" nodeType="mainSeq">
+                <p:childTnLst>
+                  <p:par>
+                    <p:cTn id="3" fill="hold">
+                      <p:stCondLst>
+                        <p:cond delay="indefinite"/>
+                      </p:stCondLst>
+                      <p:childTnLst>
+                        <p:par>
+                          <p:cTn id="4" fill="hold">
+                            <p:stCondLst>
+                              <p:cond delay="0"/>
+                            </p:stCondLst>
+                            <p:childTnLst>
+                              <p:par>
+                                <p:cTn id="5" presetID="1" presetClass="entr" presetSubtype="0" fill="hold" nodeType="clickEffect">
+                                  <p:stCondLst>
+                                    <p:cond delay="0"/>
+                                  </p:stCondLst>
+                                  <p:childTnLst>
+                                    <p:set>
+                                      <p:cBhvr>
+                                        <p:cTn id="6" dur="1" fill="hold">
+                                          <p:stCondLst>
+                                            <p:cond delay="0"/>
+                                          </p:stCondLst>
+                                        </p:cTn>
+                                        <p:tgtEl>
+                                          <p:spTgt spid="7"/>
+                                        </p:tgtEl>
+                                        <p:attrNameLst>
+                                          <p:attrName>style.visibility</p:attrName>
+                                        </p:attrNameLst>
+                                      </p:cBhvr>
+                                      <p:to>
+                                        <p:strVal val="visible"/>
+                                      </p:to>
+                                    </p:set>
+                                  </p:childTnLst>
+                                </p:cTn>
+                              </p:par>
+                            </p:childTnLst>
+                          </p:cTn>
+                        </p:par>
+                      </p:childTnLst>
+                    </p:cTn>
+                  </p:par>
+                  <p:par>
+                    <p:cTn id="7" fill="hold">
+                      <p:stCondLst>
+                        <p:cond delay="indefinite"/>
+                      </p:stCondLst>
+                      <p:childTnLst>
+                        <p:par>
+                          <p:cTn id="8" fill="hold">
+                            <p:stCondLst>
+                              <p:cond delay="0"/>
+                            </p:stCondLst>
+                            <p:childTnLst>
+                              <p:par>
+                                <p:cTn id="9" presetID="1" presetClass="exit" presetSubtype="0" fill="hold" nodeType="clickEffect">
+                                  <p:stCondLst>
+                                    <p:cond delay="0"/>
+                                  </p:stCondLst>
+                                  <p:childTnLst>
+                                    <p:set>
+                                      <p:cBhvr>
+                                        <p:cTn id="10" dur="1" fill="hold">
+                                          <p:stCondLst>
+                                            <p:cond delay="0"/>
+                                          </p:stCondLst>
+                                        </p:cTn>
+                                        <p:tgtEl>
+                                          <p:spTgt spid="7"/>
+                                        </p:tgtEl>
+                                        <p:attrNameLst>
+                                          <p:attrName>style.visibility</p:attrName>
+                                        </p:attrNameLst>
+                                      </p:cBhvr>
+                                      <p:to>
+                                        <p:strVal val="hidden"/>
+                                      </p:to>
+                                    </p:set>
+                                  </p:childTnLst>
+                                </p:cTn>
+                              </p:par>
+                            </p:childTnLst>
+                          </p:cTn>
+                        </p:par>
+                      </p:childTnLst>
+                    </p:cTn>
+                  </p:par>
+                  <p:par>
+                    <p:cTn id="11" fill="hold">
+                      <p:stCondLst>
+                        <p:cond delay="indefinite"/>
+                      </p:stCondLst>
+                      <p:childTnLst>
+                        <p:par>
+                          <p:cTn id="12" fill="hold">
+                            <p:stCondLst>
+                              <p:cond delay="0"/>
+                            </p:stCondLst>
+                            <p:childTnLst>
+                              <p:par>
+                                <p:cTn id="13" presetID="1" presetClass="entr" presetSubtype="0" fill="hold" nodeType="clickEffect">
+                                  <p:stCondLst>
+                                    <p:cond delay="0"/>
+                                  </p:stCondLst>
+                                  <p:childTnLst>
+                                    <p:set>
+                                      <p:cBhvr>
+                                        <p:cTn id="14" dur="1" fill="hold">
+                                          <p:stCondLst>
+                                            <p:cond delay="0"/>
+                                          </p:stCondLst>
+                                        </p:cTn>
+                                        <p:tgtEl>
+                                          <p:spTgt spid="5"/>
+                                        </p:tgtEl>
+                                        <p:attrNameLst>
+                                          <p:attrName>style.visibility</p:attrName>
+                                        </p:attrNameLst>
+                                      </p:cBhvr>
+                                      <p:to>
+                                        <p:strVal val="visible"/>
+                                      </p:to>
+                                    </p:set>
+                                  </p:childTnLst>
+                                </p:cTn>
+                              </p:par>
+                            </p:childTnLst>
+                          </p:cTn>
+                        </p:par>
+                      </p:childTnLst>
+                    </p:cTn>
+                  </p:par>
+                  <p:par>
+                    <p:cTn id="15" fill="hold">
+                      <p:stCondLst>
+                        <p:cond delay="indefinite"/>
+                      </p:stCondLst>
+                      <p:childTnLst>
+                        <p:par>
+                          <p:cTn id="16" fill="hold">
+                            <p:stCondLst>
+                              <p:cond delay="0"/>
+                            </p:stCondLst>
+                            <p:childTnLst>
+                              <p:par>
+                                <p:cTn id="17" presetID="1" presetClass="exit" presetSubtype="0" fill="hold" nodeType="clickEffect">
+                                  <p:stCondLst>
+                                    <p:cond delay="0"/>
+                                  </p:stCondLst>
+                                  <p:childTnLst>
+                                    <p:set>
+                                      <p:cBhvr>
+                                        <p:cTn id="18" dur="1" fill="hold">
+                                          <p:stCondLst>
+                                            <p:cond delay="0"/>
+                                          </p:stCondLst>
+                                        </p:cTn>
+                                        <p:tgtEl>
+                                          <p:spTgt spid="5"/>
+                                        </p:tgtEl>
+                                        <p:attrNameLst>
+                                          <p:attrName>style.visibility</p:attrName>
+                                        </p:attrNameLst>
+                                      </p:cBhvr>
+                                      <p:to>
+                                        <p:strVal val="hidden"/>
+                                      </p:to>
+                                    </p:set>
+                                  </p:childTnLst>
+                                </p:cTn>
+                              </p:par>
+                            </p:childTnLst>
+                          </p:cTn>
+                        </p:par>
+                      </p:childTnLst>
+                    </p:cTn>
+                  </p:par>
+                  <p:par>
+                    <p:cTn id="19" fill="hold">
+                      <p:stCondLst>
+                        <p:cond delay="indefinite"/>
+                      </p:stCondLst>
+                      <p:childTnLst>
+                        <p:par>
+                          <p:cTn id="20" fill="hold">
+                            <p:stCondLst>
+                              <p:cond delay="0"/>
+                            </p:stCondLst>
+                            <p:childTnLst>
+                              <p:par>
+                                <p:cTn id="21" presetID="1" presetClass="entr" presetSubtype="0" fill="hold" nodeType="clickEffect">
+                                  <p:stCondLst>
+                                    <p:cond delay="0"/>
+                                  </p:stCondLst>
+                                  <p:childTnLst>
+                                    <p:set>
+                                      <p:cBhvr>
+                                        <p:cTn id="22" dur="1" fill="hold">
+                                          <p:stCondLst>
+                                            <p:cond delay="0"/>
+                                          </p:stCondLst>
+                                        </p:cTn>
+                                        <p:tgtEl>
+                                          <p:spTgt spid="3"/>
+                                        </p:tgtEl>
+                                        <p:attrNameLst>
+                                          <p:attrName>style.visibility</p:attrName>
+                                        </p:attrNameLst>
+                                      </p:cBhvr>
+                                      <p:to>
+                                        <p:strVal val="visible"/>
+                                      </p:to>
+                                    </p:set>
+                                  </p:childTnLst>
+                                </p:cTn>
+                              </p:par>
+                            </p:childTnLst>
+                          </p:cTn>
+                        </p:par>
+                      </p:childTnLst>
+                    </p:cTn>
+                  </p:par>
+                </p:childTnLst>
+              </p:cTn>
+              <p:prevCondLst>
+                <p:cond evt="onPrev" delay="0">
+                  <p:tgtEl>
+                    <p:sldTgt/>
+                  </p:tgtEl>
+                </p:cond>
+              </p:prevCondLst>
+              <p:nextCondLst>
+                <p:cond evt="onNext" delay="0">
+                  <p:tgtEl>
+                    <p:sldTgt/>
+                  </p:tgtEl>
+                </p:cond>
+              </p:nextCondLst>
+            </p:seq>
+          </p:childTnLst>
+        </p:cTn>
+      </p:par>
+    </p:tnLst>
+  </p:timing>
 </p:sld>
 </file>
 
@@ -3479,75 +4903,17 @@
                 <a:latin typeface="Times New Roman" panose="02020603050405020304" pitchFamily="18" charset="0"/>
                 <a:cs typeface="Times New Roman" panose="02020603050405020304" pitchFamily="18" charset="0"/>
               </a:rPr>
-              <a:t>Optimisation des images</a:t>
-            </a:r>
-          </a:p>
-        </p:txBody>
-      </p:sp>
-      <p:sp>
-        <p:nvSpPr>
-          <p:cNvPr id="2" name="ZoneTexte 1">
-            <a:extLst>
-              <a:ext uri="{FF2B5EF4-FFF2-40B4-BE49-F238E27FC236}">
-                <a16:creationId xmlns:a16="http://schemas.microsoft.com/office/drawing/2014/main" id="{356E7E00-B8EA-719C-8E28-06C113B979ED}"/>
-              </a:ext>
-            </a:extLst>
-          </p:cNvPr>
-          <p:cNvSpPr txBox="1"/>
-          <p:nvPr/>
-        </p:nvSpPr>
-        <p:spPr>
-          <a:xfrm>
-            <a:off x="546754" y="1825207"/>
-            <a:ext cx="4562574" cy="369332"/>
-          </a:xfrm>
-          <a:prstGeom prst="rect">
-            <a:avLst/>
-          </a:prstGeom>
-          <a:noFill/>
-        </p:spPr>
-        <p:txBody>
-          <a:bodyPr wrap="square" rtlCol="0">
-            <a:spAutoFit/>
-          </a:bodyPr>
-          <a:lstStyle/>
-          <a:p>
-            <a:r>
-              <a:rPr lang="fr-FR" b="1" dirty="0">
-                <a:solidFill>
-                  <a:schemeClr val="accent1">
-                    <a:lumMod val="50000"/>
-                  </a:schemeClr>
-                </a:solidFill>
-              </a:rPr>
-              <a:t>I/ Le middleware </a:t>
-            </a:r>
-            <a:r>
-              <a:rPr lang="fr-FR" b="1" dirty="0" err="1">
-                <a:solidFill>
-                  <a:schemeClr val="accent1">
-                    <a:lumMod val="50000"/>
-                  </a:schemeClr>
-                </a:solidFill>
-              </a:rPr>
-              <a:t>sharp</a:t>
-            </a:r>
-            <a:endParaRPr lang="fr-FR" b="1" dirty="0">
-              <a:solidFill>
-                <a:schemeClr val="accent1">
-                  <a:lumMod val="50000"/>
-                </a:schemeClr>
-              </a:solidFill>
-            </a:endParaRPr>
+              <a:t>Présentation du site</a:t>
+            </a:r>
           </a:p>
         </p:txBody>
       </p:sp>
       <p:pic>
         <p:nvPicPr>
-          <p:cNvPr id="4" name="Image 3">
+          <p:cNvPr id="3" name="Image 2">
             <a:extLst>
               <a:ext uri="{FF2B5EF4-FFF2-40B4-BE49-F238E27FC236}">
-                <a16:creationId xmlns:a16="http://schemas.microsoft.com/office/drawing/2014/main" id="{D633F8D2-AA06-1B5B-D697-D12A496E998A}"/>
+                <a16:creationId xmlns:a16="http://schemas.microsoft.com/office/drawing/2014/main" id="{8F837036-CCEC-0A3E-E44F-D14AEF1F7B7B}"/>
               </a:ext>
             </a:extLst>
           </p:cNvPr>
@@ -3570,8 +4936,8 @@
         </p:blipFill>
         <p:spPr>
           <a:xfrm>
-            <a:off x="3221450" y="2194539"/>
-            <a:ext cx="6408975" cy="4320914"/>
+            <a:off x="1073880" y="2024502"/>
+            <a:ext cx="10044240" cy="3836810"/>
           </a:xfrm>
           <a:prstGeom prst="rect">
             <a:avLst/>
@@ -3581,7 +4947,7 @@
     </p:spTree>
     <p:extLst>
       <p:ext uri="{BB962C8B-B14F-4D97-AF65-F5344CB8AC3E}">
-        <p14:creationId xmlns:p14="http://schemas.microsoft.com/office/powerpoint/2010/main" val="551452100"/>
+        <p14:creationId xmlns:p14="http://schemas.microsoft.com/office/powerpoint/2010/main" val="2308226599"/>
       </p:ext>
     </p:extLst>
   </p:cSld>
@@ -3647,15 +5013,835 @@
                 <a:latin typeface="Times New Roman" panose="02020603050405020304" pitchFamily="18" charset="0"/>
                 <a:cs typeface="Times New Roman" panose="02020603050405020304" pitchFamily="18" charset="0"/>
               </a:rPr>
-              <a:t>Conclusion</a:t>
-            </a:r>
-          </a:p>
-        </p:txBody>
-      </p:sp>
+              <a:t>La section présentation</a:t>
+            </a:r>
+          </a:p>
+        </p:txBody>
+      </p:sp>
+      <p:sp>
+        <p:nvSpPr>
+          <p:cNvPr id="2" name="ZoneTexte 1">
+            <a:extLst>
+              <a:ext uri="{FF2B5EF4-FFF2-40B4-BE49-F238E27FC236}">
+                <a16:creationId xmlns:a16="http://schemas.microsoft.com/office/drawing/2014/main" id="{356E7E00-B8EA-719C-8E28-06C113B979ED}"/>
+              </a:ext>
+            </a:extLst>
+          </p:cNvPr>
+          <p:cNvSpPr txBox="1"/>
+          <p:nvPr/>
+        </p:nvSpPr>
+        <p:spPr>
+          <a:xfrm>
+            <a:off x="546754" y="1825207"/>
+            <a:ext cx="4562574" cy="369332"/>
+          </a:xfrm>
+          <a:prstGeom prst="rect">
+            <a:avLst/>
+          </a:prstGeom>
+          <a:noFill/>
+        </p:spPr>
+        <p:txBody>
+          <a:bodyPr wrap="square" rtlCol="0">
+            <a:spAutoFit/>
+          </a:bodyPr>
+          <a:lstStyle/>
+          <a:p>
+            <a:r>
+              <a:rPr lang="fr-FR" b="1" dirty="0">
+                <a:solidFill>
+                  <a:schemeClr val="accent1">
+                    <a:lumMod val="50000"/>
+                  </a:schemeClr>
+                </a:solidFill>
+              </a:rPr>
+              <a:t>I/ Le composant</a:t>
+            </a:r>
+          </a:p>
+        </p:txBody>
+      </p:sp>
+      <p:pic>
+        <p:nvPicPr>
+          <p:cNvPr id="5" name="Image 4">
+            <a:extLst>
+              <a:ext uri="{FF2B5EF4-FFF2-40B4-BE49-F238E27FC236}">
+                <a16:creationId xmlns:a16="http://schemas.microsoft.com/office/drawing/2014/main" id="{37A0945C-603E-44A6-F1D8-8DC9738C6318}"/>
+              </a:ext>
+            </a:extLst>
+          </p:cNvPr>
+          <p:cNvPicPr>
+            <a:picLocks noChangeAspect="1"/>
+          </p:cNvPicPr>
+          <p:nvPr/>
+        </p:nvPicPr>
+        <p:blipFill>
+          <a:blip r:embed="rId2">
+            <a:extLst>
+              <a:ext uri="{28A0092B-C50C-407E-A947-70E740481C1C}">
+                <a14:useLocalDpi xmlns:a14="http://schemas.microsoft.com/office/drawing/2010/main" val="0"/>
+              </a:ext>
+            </a:extLst>
+          </a:blip>
+          <a:stretch>
+            <a:fillRect/>
+          </a:stretch>
+        </p:blipFill>
+        <p:spPr>
+          <a:xfrm>
+            <a:off x="1379848" y="2418336"/>
+            <a:ext cx="9432303" cy="4044153"/>
+          </a:xfrm>
+          <a:prstGeom prst="rect">
+            <a:avLst/>
+          </a:prstGeom>
+        </p:spPr>
+      </p:pic>
     </p:spTree>
     <p:extLst>
       <p:ext uri="{BB962C8B-B14F-4D97-AF65-F5344CB8AC3E}">
-        <p14:creationId xmlns:p14="http://schemas.microsoft.com/office/powerpoint/2010/main" val="2940579101"/>
+        <p14:creationId xmlns:p14="http://schemas.microsoft.com/office/powerpoint/2010/main" val="551452100"/>
+      </p:ext>
+    </p:extLst>
+  </p:cSld>
+  <p:clrMapOvr>
+    <a:masterClrMapping/>
+  </p:clrMapOvr>
+</p:sld>
+</file>
+
+<file path=ppt/slides/slide7.xml><?xml version="1.0" encoding="utf-8"?>
+<p:sld xmlns:a="http://schemas.openxmlformats.org/drawingml/2006/main" xmlns:r="http://schemas.openxmlformats.org/officeDocument/2006/relationships" xmlns:p="http://schemas.openxmlformats.org/presentationml/2006/main">
+  <p:cSld>
+    <p:spTree>
+      <p:nvGrpSpPr>
+        <p:cNvPr id="1" name=""/>
+        <p:cNvGrpSpPr/>
+        <p:nvPr/>
+      </p:nvGrpSpPr>
+      <p:grpSpPr>
+        <a:xfrm>
+          <a:off x="0" y="0"/>
+          <a:ext cx="0" cy="0"/>
+          <a:chOff x="0" y="0"/>
+          <a:chExt cx="0" cy="0"/>
+        </a:xfrm>
+      </p:grpSpPr>
+      <p:sp>
+        <p:nvSpPr>
+          <p:cNvPr id="27" name="ZoneTexte 26">
+            <a:extLst>
+              <a:ext uri="{FF2B5EF4-FFF2-40B4-BE49-F238E27FC236}">
+                <a16:creationId xmlns:a16="http://schemas.microsoft.com/office/drawing/2014/main" id="{AF0DC408-AFDA-F98A-A4F1-0F30A160E013}"/>
+              </a:ext>
+            </a:extLst>
+          </p:cNvPr>
+          <p:cNvSpPr txBox="1"/>
+          <p:nvPr/>
+        </p:nvSpPr>
+        <p:spPr>
+          <a:xfrm>
+            <a:off x="1566938" y="537292"/>
+            <a:ext cx="8477302" cy="769441"/>
+          </a:xfrm>
+          <a:prstGeom prst="rect">
+            <a:avLst/>
+          </a:prstGeom>
+          <a:noFill/>
+        </p:spPr>
+        <p:txBody>
+          <a:bodyPr wrap="square" rtlCol="0">
+            <a:spAutoFit/>
+          </a:bodyPr>
+          <a:lstStyle/>
+          <a:p>
+            <a:pPr algn="ctr"/>
+            <a:r>
+              <a:rPr lang="fr-FR" sz="4400" b="1" dirty="0">
+                <a:solidFill>
+                  <a:schemeClr val="accent1">
+                    <a:lumMod val="50000"/>
+                  </a:schemeClr>
+                </a:solidFill>
+                <a:latin typeface="Times New Roman" panose="02020603050405020304" pitchFamily="18" charset="0"/>
+                <a:cs typeface="Times New Roman" panose="02020603050405020304" pitchFamily="18" charset="0"/>
+              </a:rPr>
+              <a:t>La section projets</a:t>
+            </a:r>
+          </a:p>
+        </p:txBody>
+      </p:sp>
+      <p:sp>
+        <p:nvSpPr>
+          <p:cNvPr id="2" name="ZoneTexte 1">
+            <a:extLst>
+              <a:ext uri="{FF2B5EF4-FFF2-40B4-BE49-F238E27FC236}">
+                <a16:creationId xmlns:a16="http://schemas.microsoft.com/office/drawing/2014/main" id="{356E7E00-B8EA-719C-8E28-06C113B979ED}"/>
+              </a:ext>
+            </a:extLst>
+          </p:cNvPr>
+          <p:cNvSpPr txBox="1"/>
+          <p:nvPr/>
+        </p:nvSpPr>
+        <p:spPr>
+          <a:xfrm>
+            <a:off x="546754" y="1825207"/>
+            <a:ext cx="4562574" cy="369332"/>
+          </a:xfrm>
+          <a:prstGeom prst="rect">
+            <a:avLst/>
+          </a:prstGeom>
+          <a:noFill/>
+        </p:spPr>
+        <p:txBody>
+          <a:bodyPr wrap="square" rtlCol="0">
+            <a:spAutoFit/>
+          </a:bodyPr>
+          <a:lstStyle/>
+          <a:p>
+            <a:r>
+              <a:rPr lang="fr-FR" b="1" dirty="0">
+                <a:solidFill>
+                  <a:schemeClr val="accent1">
+                    <a:lumMod val="50000"/>
+                  </a:schemeClr>
+                </a:solidFill>
+              </a:rPr>
+              <a:t>I/ L’affichage des projets avec le fichier </a:t>
+            </a:r>
+            <a:r>
+              <a:rPr lang="fr-FR" b="1" dirty="0" err="1">
+                <a:solidFill>
+                  <a:schemeClr val="accent1">
+                    <a:lumMod val="50000"/>
+                  </a:schemeClr>
+                </a:solidFill>
+              </a:rPr>
+              <a:t>json</a:t>
+            </a:r>
+            <a:endParaRPr lang="fr-FR" b="1" dirty="0">
+              <a:solidFill>
+                <a:schemeClr val="accent1">
+                  <a:lumMod val="50000"/>
+                </a:schemeClr>
+              </a:solidFill>
+            </a:endParaRPr>
+          </a:p>
+        </p:txBody>
+      </p:sp>
+      <p:pic>
+        <p:nvPicPr>
+          <p:cNvPr id="4" name="Image 3">
+            <a:extLst>
+              <a:ext uri="{FF2B5EF4-FFF2-40B4-BE49-F238E27FC236}">
+                <a16:creationId xmlns:a16="http://schemas.microsoft.com/office/drawing/2014/main" id="{98EDB0E3-872C-07A5-7D41-1C0003CCFDE3}"/>
+              </a:ext>
+            </a:extLst>
+          </p:cNvPr>
+          <p:cNvPicPr>
+            <a:picLocks noChangeAspect="1"/>
+          </p:cNvPicPr>
+          <p:nvPr/>
+        </p:nvPicPr>
+        <p:blipFill>
+          <a:blip r:embed="rId2">
+            <a:extLst>
+              <a:ext uri="{28A0092B-C50C-407E-A947-70E740481C1C}">
+                <a14:useLocalDpi xmlns:a14="http://schemas.microsoft.com/office/drawing/2010/main" val="0"/>
+              </a:ext>
+            </a:extLst>
+          </a:blip>
+          <a:stretch>
+            <a:fillRect/>
+          </a:stretch>
+        </p:blipFill>
+        <p:spPr>
+          <a:xfrm>
+            <a:off x="102922" y="4472103"/>
+            <a:ext cx="6603723" cy="1582807"/>
+          </a:xfrm>
+          <a:prstGeom prst="rect">
+            <a:avLst/>
+          </a:prstGeom>
+        </p:spPr>
+      </p:pic>
+      <p:pic>
+        <p:nvPicPr>
+          <p:cNvPr id="7" name="Image 6">
+            <a:extLst>
+              <a:ext uri="{FF2B5EF4-FFF2-40B4-BE49-F238E27FC236}">
+                <a16:creationId xmlns:a16="http://schemas.microsoft.com/office/drawing/2014/main" id="{32D054CF-E189-7747-B34A-A40D8647B177}"/>
+              </a:ext>
+            </a:extLst>
+          </p:cNvPr>
+          <p:cNvPicPr>
+            <a:picLocks noChangeAspect="1"/>
+          </p:cNvPicPr>
+          <p:nvPr/>
+        </p:nvPicPr>
+        <p:blipFill>
+          <a:blip r:embed="rId3">
+            <a:extLst>
+              <a:ext uri="{28A0092B-C50C-407E-A947-70E740481C1C}">
+                <a14:useLocalDpi xmlns:a14="http://schemas.microsoft.com/office/drawing/2010/main" val="0"/>
+              </a:ext>
+            </a:extLst>
+          </a:blip>
+          <a:stretch>
+            <a:fillRect/>
+          </a:stretch>
+        </p:blipFill>
+        <p:spPr>
+          <a:xfrm>
+            <a:off x="6331670" y="1306733"/>
+            <a:ext cx="5757408" cy="5453406"/>
+          </a:xfrm>
+          <a:prstGeom prst="rect">
+            <a:avLst/>
+          </a:prstGeom>
+        </p:spPr>
+      </p:pic>
+    </p:spTree>
+    <p:extLst>
+      <p:ext uri="{BB962C8B-B14F-4D97-AF65-F5344CB8AC3E}">
+        <p14:creationId xmlns:p14="http://schemas.microsoft.com/office/powerpoint/2010/main" val="1651937879"/>
+      </p:ext>
+    </p:extLst>
+  </p:cSld>
+  <p:clrMapOvr>
+    <a:masterClrMapping/>
+  </p:clrMapOvr>
+</p:sld>
+</file>
+
+<file path=ppt/slides/slide8.xml><?xml version="1.0" encoding="utf-8"?>
+<p:sld xmlns:a="http://schemas.openxmlformats.org/drawingml/2006/main" xmlns:r="http://schemas.openxmlformats.org/officeDocument/2006/relationships" xmlns:p="http://schemas.openxmlformats.org/presentationml/2006/main">
+  <p:cSld>
+    <p:spTree>
+      <p:nvGrpSpPr>
+        <p:cNvPr id="1" name=""/>
+        <p:cNvGrpSpPr/>
+        <p:nvPr/>
+      </p:nvGrpSpPr>
+      <p:grpSpPr>
+        <a:xfrm>
+          <a:off x="0" y="0"/>
+          <a:ext cx="0" cy="0"/>
+          <a:chOff x="0" y="0"/>
+          <a:chExt cx="0" cy="0"/>
+        </a:xfrm>
+      </p:grpSpPr>
+      <p:sp>
+        <p:nvSpPr>
+          <p:cNvPr id="27" name="ZoneTexte 26">
+            <a:extLst>
+              <a:ext uri="{FF2B5EF4-FFF2-40B4-BE49-F238E27FC236}">
+                <a16:creationId xmlns:a16="http://schemas.microsoft.com/office/drawing/2014/main" id="{AF0DC408-AFDA-F98A-A4F1-0F30A160E013}"/>
+              </a:ext>
+            </a:extLst>
+          </p:cNvPr>
+          <p:cNvSpPr txBox="1"/>
+          <p:nvPr/>
+        </p:nvSpPr>
+        <p:spPr>
+          <a:xfrm>
+            <a:off x="1566938" y="537292"/>
+            <a:ext cx="8477302" cy="769441"/>
+          </a:xfrm>
+          <a:prstGeom prst="rect">
+            <a:avLst/>
+          </a:prstGeom>
+          <a:noFill/>
+        </p:spPr>
+        <p:txBody>
+          <a:bodyPr wrap="square" rtlCol="0">
+            <a:spAutoFit/>
+          </a:bodyPr>
+          <a:lstStyle/>
+          <a:p>
+            <a:pPr algn="ctr"/>
+            <a:r>
+              <a:rPr lang="fr-FR" sz="4400" b="1" dirty="0">
+                <a:solidFill>
+                  <a:schemeClr val="accent1">
+                    <a:lumMod val="50000"/>
+                  </a:schemeClr>
+                </a:solidFill>
+                <a:latin typeface="Times New Roman" panose="02020603050405020304" pitchFamily="18" charset="0"/>
+                <a:cs typeface="Times New Roman" panose="02020603050405020304" pitchFamily="18" charset="0"/>
+              </a:rPr>
+              <a:t>La section projets</a:t>
+            </a:r>
+          </a:p>
+        </p:txBody>
+      </p:sp>
+      <p:sp>
+        <p:nvSpPr>
+          <p:cNvPr id="2" name="ZoneTexte 1">
+            <a:extLst>
+              <a:ext uri="{FF2B5EF4-FFF2-40B4-BE49-F238E27FC236}">
+                <a16:creationId xmlns:a16="http://schemas.microsoft.com/office/drawing/2014/main" id="{356E7E00-B8EA-719C-8E28-06C113B979ED}"/>
+              </a:ext>
+            </a:extLst>
+          </p:cNvPr>
+          <p:cNvSpPr txBox="1"/>
+          <p:nvPr/>
+        </p:nvSpPr>
+        <p:spPr>
+          <a:xfrm>
+            <a:off x="546754" y="1825207"/>
+            <a:ext cx="4562574" cy="369332"/>
+          </a:xfrm>
+          <a:prstGeom prst="rect">
+            <a:avLst/>
+          </a:prstGeom>
+          <a:noFill/>
+        </p:spPr>
+        <p:txBody>
+          <a:bodyPr wrap="square" rtlCol="0">
+            <a:spAutoFit/>
+          </a:bodyPr>
+          <a:lstStyle/>
+          <a:p>
+            <a:r>
+              <a:rPr lang="fr-FR" b="1" dirty="0">
+                <a:solidFill>
+                  <a:schemeClr val="accent1">
+                    <a:lumMod val="50000"/>
+                  </a:schemeClr>
+                </a:solidFill>
+              </a:rPr>
+              <a:t>II/ Les boutons de tri et filtre</a:t>
+            </a:r>
+          </a:p>
+        </p:txBody>
+      </p:sp>
+      <p:pic>
+        <p:nvPicPr>
+          <p:cNvPr id="5" name="Image 4">
+            <a:extLst>
+              <a:ext uri="{FF2B5EF4-FFF2-40B4-BE49-F238E27FC236}">
+                <a16:creationId xmlns:a16="http://schemas.microsoft.com/office/drawing/2014/main" id="{36411003-F06A-5AD5-F3E9-6AFA251F2363}"/>
+              </a:ext>
+            </a:extLst>
+          </p:cNvPr>
+          <p:cNvPicPr>
+            <a:picLocks noChangeAspect="1"/>
+          </p:cNvPicPr>
+          <p:nvPr/>
+        </p:nvPicPr>
+        <p:blipFill>
+          <a:blip r:embed="rId2">
+            <a:extLst>
+              <a:ext uri="{28A0092B-C50C-407E-A947-70E740481C1C}">
+                <a14:useLocalDpi xmlns:a14="http://schemas.microsoft.com/office/drawing/2010/main" val="0"/>
+              </a:ext>
+            </a:extLst>
+          </a:blip>
+          <a:stretch>
+            <a:fillRect/>
+          </a:stretch>
+        </p:blipFill>
+        <p:spPr>
+          <a:xfrm>
+            <a:off x="3187892" y="2562595"/>
+            <a:ext cx="5235394" cy="2469094"/>
+          </a:xfrm>
+          <a:prstGeom prst="rect">
+            <a:avLst/>
+          </a:prstGeom>
+        </p:spPr>
+      </p:pic>
+      <p:pic>
+        <p:nvPicPr>
+          <p:cNvPr id="8" name="Image 7">
+            <a:extLst>
+              <a:ext uri="{FF2B5EF4-FFF2-40B4-BE49-F238E27FC236}">
+                <a16:creationId xmlns:a16="http://schemas.microsoft.com/office/drawing/2014/main" id="{1FC3901A-E89D-A802-4D08-056AAF1E62C6}"/>
+              </a:ext>
+            </a:extLst>
+          </p:cNvPr>
+          <p:cNvPicPr>
+            <a:picLocks noChangeAspect="1"/>
+          </p:cNvPicPr>
+          <p:nvPr/>
+        </p:nvPicPr>
+        <p:blipFill>
+          <a:blip r:embed="rId3">
+            <a:extLst>
+              <a:ext uri="{28A0092B-C50C-407E-A947-70E740481C1C}">
+                <a14:useLocalDpi xmlns:a14="http://schemas.microsoft.com/office/drawing/2010/main" val="0"/>
+              </a:ext>
+            </a:extLst>
+          </a:blip>
+          <a:stretch>
+            <a:fillRect/>
+          </a:stretch>
+        </p:blipFill>
+        <p:spPr>
+          <a:xfrm>
+            <a:off x="76982" y="2285978"/>
+            <a:ext cx="5502117" cy="2004234"/>
+          </a:xfrm>
+          <a:prstGeom prst="rect">
+            <a:avLst/>
+          </a:prstGeom>
+        </p:spPr>
+      </p:pic>
+      <p:pic>
+        <p:nvPicPr>
+          <p:cNvPr id="10" name="Image 9">
+            <a:extLst>
+              <a:ext uri="{FF2B5EF4-FFF2-40B4-BE49-F238E27FC236}">
+                <a16:creationId xmlns:a16="http://schemas.microsoft.com/office/drawing/2014/main" id="{3CA1367F-4201-7611-EB79-CB640249B60B}"/>
+              </a:ext>
+            </a:extLst>
+          </p:cNvPr>
+          <p:cNvPicPr>
+            <a:picLocks noChangeAspect="1"/>
+          </p:cNvPicPr>
+          <p:nvPr/>
+        </p:nvPicPr>
+        <p:blipFill>
+          <a:blip r:embed="rId4">
+            <a:extLst>
+              <a:ext uri="{28A0092B-C50C-407E-A947-70E740481C1C}">
+                <a14:useLocalDpi xmlns:a14="http://schemas.microsoft.com/office/drawing/2010/main" val="0"/>
+              </a:ext>
+            </a:extLst>
+          </a:blip>
+          <a:stretch>
+            <a:fillRect/>
+          </a:stretch>
+        </p:blipFill>
+        <p:spPr>
+          <a:xfrm>
+            <a:off x="5579099" y="3401438"/>
+            <a:ext cx="6535919" cy="3257715"/>
+          </a:xfrm>
+          <a:prstGeom prst="rect">
+            <a:avLst/>
+          </a:prstGeom>
+        </p:spPr>
+      </p:pic>
+    </p:spTree>
+    <p:extLst>
+      <p:ext uri="{BB962C8B-B14F-4D97-AF65-F5344CB8AC3E}">
+        <p14:creationId xmlns:p14="http://schemas.microsoft.com/office/powerpoint/2010/main" val="1357569785"/>
+      </p:ext>
+    </p:extLst>
+  </p:cSld>
+  <p:clrMapOvr>
+    <a:masterClrMapping/>
+  </p:clrMapOvr>
+  <p:timing>
+    <p:tnLst>
+      <p:par>
+        <p:cTn id="1" dur="indefinite" restart="never" nodeType="tmRoot">
+          <p:childTnLst>
+            <p:seq concurrent="1" nextAc="seek">
+              <p:cTn id="2" dur="indefinite" nodeType="mainSeq">
+                <p:childTnLst>
+                  <p:par>
+                    <p:cTn id="3" fill="hold">
+                      <p:stCondLst>
+                        <p:cond delay="indefinite"/>
+                      </p:stCondLst>
+                      <p:childTnLst>
+                        <p:par>
+                          <p:cTn id="4" fill="hold">
+                            <p:stCondLst>
+                              <p:cond delay="0"/>
+                            </p:stCondLst>
+                            <p:childTnLst>
+                              <p:par>
+                                <p:cTn id="5" presetID="1" presetClass="exit" presetSubtype="0" fill="hold" nodeType="clickEffect">
+                                  <p:stCondLst>
+                                    <p:cond delay="0"/>
+                                  </p:stCondLst>
+                                  <p:childTnLst>
+                                    <p:set>
+                                      <p:cBhvr>
+                                        <p:cTn id="6" dur="1" fill="hold">
+                                          <p:stCondLst>
+                                            <p:cond delay="0"/>
+                                          </p:stCondLst>
+                                        </p:cTn>
+                                        <p:tgtEl>
+                                          <p:spTgt spid="5"/>
+                                        </p:tgtEl>
+                                        <p:attrNameLst>
+                                          <p:attrName>style.visibility</p:attrName>
+                                        </p:attrNameLst>
+                                      </p:cBhvr>
+                                      <p:to>
+                                        <p:strVal val="hidden"/>
+                                      </p:to>
+                                    </p:set>
+                                  </p:childTnLst>
+                                </p:cTn>
+                              </p:par>
+                              <p:par>
+                                <p:cTn id="7" presetID="1" presetClass="entr" presetSubtype="0" fill="hold" nodeType="withEffect">
+                                  <p:stCondLst>
+                                    <p:cond delay="0"/>
+                                  </p:stCondLst>
+                                  <p:childTnLst>
+                                    <p:set>
+                                      <p:cBhvr>
+                                        <p:cTn id="8" dur="1" fill="hold">
+                                          <p:stCondLst>
+                                            <p:cond delay="0"/>
+                                          </p:stCondLst>
+                                        </p:cTn>
+                                        <p:tgtEl>
+                                          <p:spTgt spid="8"/>
+                                        </p:tgtEl>
+                                        <p:attrNameLst>
+                                          <p:attrName>style.visibility</p:attrName>
+                                        </p:attrNameLst>
+                                      </p:cBhvr>
+                                      <p:to>
+                                        <p:strVal val="visible"/>
+                                      </p:to>
+                                    </p:set>
+                                  </p:childTnLst>
+                                </p:cTn>
+                              </p:par>
+                              <p:par>
+                                <p:cTn id="9" presetID="1" presetClass="entr" presetSubtype="0" fill="hold" nodeType="withEffect">
+                                  <p:stCondLst>
+                                    <p:cond delay="0"/>
+                                  </p:stCondLst>
+                                  <p:childTnLst>
+                                    <p:set>
+                                      <p:cBhvr>
+                                        <p:cTn id="10" dur="1" fill="hold">
+                                          <p:stCondLst>
+                                            <p:cond delay="0"/>
+                                          </p:stCondLst>
+                                        </p:cTn>
+                                        <p:tgtEl>
+                                          <p:spTgt spid="10"/>
+                                        </p:tgtEl>
+                                        <p:attrNameLst>
+                                          <p:attrName>style.visibility</p:attrName>
+                                        </p:attrNameLst>
+                                      </p:cBhvr>
+                                      <p:to>
+                                        <p:strVal val="visible"/>
+                                      </p:to>
+                                    </p:set>
+                                  </p:childTnLst>
+                                </p:cTn>
+                              </p:par>
+                            </p:childTnLst>
+                          </p:cTn>
+                        </p:par>
+                      </p:childTnLst>
+                    </p:cTn>
+                  </p:par>
+                </p:childTnLst>
+              </p:cTn>
+              <p:prevCondLst>
+                <p:cond evt="onPrev" delay="0">
+                  <p:tgtEl>
+                    <p:sldTgt/>
+                  </p:tgtEl>
+                </p:cond>
+              </p:prevCondLst>
+              <p:nextCondLst>
+                <p:cond evt="onNext" delay="0">
+                  <p:tgtEl>
+                    <p:sldTgt/>
+                  </p:tgtEl>
+                </p:cond>
+              </p:nextCondLst>
+            </p:seq>
+          </p:childTnLst>
+        </p:cTn>
+      </p:par>
+    </p:tnLst>
+  </p:timing>
+</p:sld>
+</file>
+
+<file path=ppt/slides/slide9.xml><?xml version="1.0" encoding="utf-8"?>
+<p:sld xmlns:a="http://schemas.openxmlformats.org/drawingml/2006/main" xmlns:r="http://schemas.openxmlformats.org/officeDocument/2006/relationships" xmlns:p="http://schemas.openxmlformats.org/presentationml/2006/main">
+  <p:cSld>
+    <p:spTree>
+      <p:nvGrpSpPr>
+        <p:cNvPr id="1" name=""/>
+        <p:cNvGrpSpPr/>
+        <p:nvPr/>
+      </p:nvGrpSpPr>
+      <p:grpSpPr>
+        <a:xfrm>
+          <a:off x="0" y="0"/>
+          <a:ext cx="0" cy="0"/>
+          <a:chOff x="0" y="0"/>
+          <a:chExt cx="0" cy="0"/>
+        </a:xfrm>
+      </p:grpSpPr>
+      <p:sp>
+        <p:nvSpPr>
+          <p:cNvPr id="27" name="ZoneTexte 26">
+            <a:extLst>
+              <a:ext uri="{FF2B5EF4-FFF2-40B4-BE49-F238E27FC236}">
+                <a16:creationId xmlns:a16="http://schemas.microsoft.com/office/drawing/2014/main" id="{AF0DC408-AFDA-F98A-A4F1-0F30A160E013}"/>
+              </a:ext>
+            </a:extLst>
+          </p:cNvPr>
+          <p:cNvSpPr txBox="1"/>
+          <p:nvPr/>
+        </p:nvSpPr>
+        <p:spPr>
+          <a:xfrm>
+            <a:off x="1566938" y="537292"/>
+            <a:ext cx="8477302" cy="769441"/>
+          </a:xfrm>
+          <a:prstGeom prst="rect">
+            <a:avLst/>
+          </a:prstGeom>
+          <a:noFill/>
+        </p:spPr>
+        <p:txBody>
+          <a:bodyPr wrap="square" rtlCol="0">
+            <a:spAutoFit/>
+          </a:bodyPr>
+          <a:lstStyle/>
+          <a:p>
+            <a:pPr algn="ctr"/>
+            <a:r>
+              <a:rPr lang="fr-FR" sz="4400" b="1" dirty="0">
+                <a:solidFill>
+                  <a:schemeClr val="accent1">
+                    <a:lumMod val="50000"/>
+                  </a:schemeClr>
+                </a:solidFill>
+                <a:latin typeface="Times New Roman" panose="02020603050405020304" pitchFamily="18" charset="0"/>
+                <a:cs typeface="Times New Roman" panose="02020603050405020304" pitchFamily="18" charset="0"/>
+              </a:rPr>
+              <a:t>La page détail</a:t>
+            </a:r>
+          </a:p>
+        </p:txBody>
+      </p:sp>
+      <p:sp>
+        <p:nvSpPr>
+          <p:cNvPr id="2" name="ZoneTexte 1">
+            <a:extLst>
+              <a:ext uri="{FF2B5EF4-FFF2-40B4-BE49-F238E27FC236}">
+                <a16:creationId xmlns:a16="http://schemas.microsoft.com/office/drawing/2014/main" id="{356E7E00-B8EA-719C-8E28-06C113B979ED}"/>
+              </a:ext>
+            </a:extLst>
+          </p:cNvPr>
+          <p:cNvSpPr txBox="1"/>
+          <p:nvPr/>
+        </p:nvSpPr>
+        <p:spPr>
+          <a:xfrm>
+            <a:off x="546754" y="1825207"/>
+            <a:ext cx="4562574" cy="369332"/>
+          </a:xfrm>
+          <a:prstGeom prst="rect">
+            <a:avLst/>
+          </a:prstGeom>
+          <a:noFill/>
+        </p:spPr>
+        <p:txBody>
+          <a:bodyPr wrap="square" rtlCol="0">
+            <a:spAutoFit/>
+          </a:bodyPr>
+          <a:lstStyle/>
+          <a:p>
+            <a:r>
+              <a:rPr lang="fr-FR" b="1" dirty="0">
+                <a:solidFill>
+                  <a:schemeClr val="accent1">
+                    <a:lumMod val="50000"/>
+                  </a:schemeClr>
+                </a:solidFill>
+              </a:rPr>
+              <a:t>I/ L’affichage des détails du projet</a:t>
+            </a:r>
+          </a:p>
+        </p:txBody>
+      </p:sp>
+      <p:pic>
+        <p:nvPicPr>
+          <p:cNvPr id="5" name="Image 4">
+            <a:extLst>
+              <a:ext uri="{FF2B5EF4-FFF2-40B4-BE49-F238E27FC236}">
+                <a16:creationId xmlns:a16="http://schemas.microsoft.com/office/drawing/2014/main" id="{89E1FE56-7494-C5D7-2544-95C3303C2E1F}"/>
+              </a:ext>
+            </a:extLst>
+          </p:cNvPr>
+          <p:cNvPicPr>
+            <a:picLocks noChangeAspect="1"/>
+          </p:cNvPicPr>
+          <p:nvPr/>
+        </p:nvPicPr>
+        <p:blipFill>
+          <a:blip r:embed="rId2">
+            <a:extLst>
+              <a:ext uri="{28A0092B-C50C-407E-A947-70E740481C1C}">
+                <a14:useLocalDpi xmlns:a14="http://schemas.microsoft.com/office/drawing/2010/main" val="0"/>
+              </a:ext>
+            </a:extLst>
+          </a:blip>
+          <a:stretch>
+            <a:fillRect/>
+          </a:stretch>
+        </p:blipFill>
+        <p:spPr>
+          <a:xfrm>
+            <a:off x="6862597" y="1306733"/>
+            <a:ext cx="4996346" cy="5304091"/>
+          </a:xfrm>
+          <a:prstGeom prst="rect">
+            <a:avLst/>
+          </a:prstGeom>
+        </p:spPr>
+      </p:pic>
+      <p:pic>
+        <p:nvPicPr>
+          <p:cNvPr id="8" name="Image 7">
+            <a:extLst>
+              <a:ext uri="{FF2B5EF4-FFF2-40B4-BE49-F238E27FC236}">
+                <a16:creationId xmlns:a16="http://schemas.microsoft.com/office/drawing/2014/main" id="{365937E4-CA2E-9130-2111-4830FA9B65EC}"/>
+              </a:ext>
+            </a:extLst>
+          </p:cNvPr>
+          <p:cNvPicPr>
+            <a:picLocks noChangeAspect="1"/>
+          </p:cNvPicPr>
+          <p:nvPr/>
+        </p:nvPicPr>
+        <p:blipFill>
+          <a:blip r:embed="rId3">
+            <a:extLst>
+              <a:ext uri="{28A0092B-C50C-407E-A947-70E740481C1C}">
+                <a14:useLocalDpi xmlns:a14="http://schemas.microsoft.com/office/drawing/2010/main" val="0"/>
+              </a:ext>
+            </a:extLst>
+          </a:blip>
+          <a:stretch>
+            <a:fillRect/>
+          </a:stretch>
+        </p:blipFill>
+        <p:spPr>
+          <a:xfrm>
+            <a:off x="1335274" y="2394408"/>
+            <a:ext cx="4130159" cy="4216415"/>
+          </a:xfrm>
+          <a:prstGeom prst="rect">
+            <a:avLst/>
+          </a:prstGeom>
+        </p:spPr>
+      </p:pic>
+    </p:spTree>
+    <p:extLst>
+      <p:ext uri="{BB962C8B-B14F-4D97-AF65-F5344CB8AC3E}">
+        <p14:creationId xmlns:p14="http://schemas.microsoft.com/office/powerpoint/2010/main" val="231404073"/>
       </p:ext>
     </p:extLst>
   </p:cSld>
